--- a/REDES DE COMPUTADORA/UNIDAD X/UNIDAD X.pptx
+++ b/REDES DE COMPUTADORA/UNIDAD X/UNIDAD X.pptx
@@ -5,7 +5,7 @@
     <p:sldMasterId id="2147483660" r:id="rId1"/>
   </p:sldMasterIdLst>
   <p:notesMasterIdLst>
-    <p:notesMasterId r:id="rId13"/>
+    <p:notesMasterId r:id="rId15"/>
   </p:notesMasterIdLst>
   <p:sldIdLst>
     <p:sldId id="256" r:id="rId2"/>
@@ -15,10 +15,12 @@
     <p:sldId id="263" r:id="rId6"/>
     <p:sldId id="265" r:id="rId7"/>
     <p:sldId id="264" r:id="rId8"/>
-    <p:sldId id="267" r:id="rId9"/>
-    <p:sldId id="266" r:id="rId10"/>
-    <p:sldId id="261" r:id="rId11"/>
-    <p:sldId id="262" r:id="rId12"/>
+    <p:sldId id="268" r:id="rId9"/>
+    <p:sldId id="269" r:id="rId10"/>
+    <p:sldId id="267" r:id="rId11"/>
+    <p:sldId id="266" r:id="rId12"/>
+    <p:sldId id="261" r:id="rId13"/>
+    <p:sldId id="262" r:id="rId14"/>
   </p:sldIdLst>
   <p:sldSz cx="9144000" cy="6858000" type="letter"/>
   <p:notesSz cx="6858000" cy="9144000"/>
@@ -133,6 +135,8 @@
             <p14:sldId id="263"/>
             <p14:sldId id="265"/>
             <p14:sldId id="264"/>
+            <p14:sldId id="268"/>
+            <p14:sldId id="269"/>
             <p14:sldId id="267"/>
             <p14:sldId id="266"/>
           </p14:sldIdLst>
@@ -144,6 +148,9 @@
           </p14:sldIdLst>
         </p14:section>
       </p14:sectionLst>
+    </p:ext>
+    <p:ext uri="{EFAFB233-063F-42B5-8137-9DF3F51BA10A}">
+      <p15:sldGuideLst xmlns:p15="http://schemas.microsoft.com/office/powerpoint/2012/main"/>
     </p:ext>
   </p:extLst>
 </p:presentation>
@@ -3600,6 +3607,13 @@
         </dgm:presLayoutVars>
       </dgm:prSet>
       <dgm:spPr/>
+      <dgm:t>
+        <a:bodyPr/>
+        <a:lstStyle/>
+        <a:p>
+          <a:endParaRPr lang="es-ES"/>
+        </a:p>
+      </dgm:t>
     </dgm:pt>
     <dgm:pt modelId="{0CF2A508-3CF3-42DD-9156-C4558D30122B}" type="pres">
       <dgm:prSet presAssocID="{C401EDAD-58E7-4825-8B28-741A14E06A61}" presName="parentLin" presStyleCnt="0"/>
@@ -3608,6 +3622,13 @@
     <dgm:pt modelId="{916E78EA-EFBA-4B00-BB44-FB8A6475DE23}" type="pres">
       <dgm:prSet presAssocID="{C401EDAD-58E7-4825-8B28-741A14E06A61}" presName="parentLeftMargin" presStyleLbl="node1" presStyleIdx="0" presStyleCnt="5"/>
       <dgm:spPr/>
+      <dgm:t>
+        <a:bodyPr/>
+        <a:lstStyle/>
+        <a:p>
+          <a:endParaRPr lang="es-ES"/>
+        </a:p>
+      </dgm:t>
     </dgm:pt>
     <dgm:pt modelId="{7476288A-322E-404D-A0BD-474F69A9B47B}" type="pres">
       <dgm:prSet presAssocID="{C401EDAD-58E7-4825-8B28-741A14E06A61}" presName="parentText" presStyleLbl="node1" presStyleIdx="0" presStyleCnt="5">
@@ -3617,6 +3638,13 @@
         </dgm:presLayoutVars>
       </dgm:prSet>
       <dgm:spPr/>
+      <dgm:t>
+        <a:bodyPr/>
+        <a:lstStyle/>
+        <a:p>
+          <a:endParaRPr lang="es-ES"/>
+        </a:p>
+      </dgm:t>
     </dgm:pt>
     <dgm:pt modelId="{3928D307-93ED-4B94-A162-592C67E7F2D4}" type="pres">
       <dgm:prSet presAssocID="{C401EDAD-58E7-4825-8B28-741A14E06A61}" presName="negativeSpace" presStyleCnt="0"/>
@@ -3629,6 +3657,13 @@
         </dgm:presLayoutVars>
       </dgm:prSet>
       <dgm:spPr/>
+      <dgm:t>
+        <a:bodyPr/>
+        <a:lstStyle/>
+        <a:p>
+          <a:endParaRPr lang="es-ES"/>
+        </a:p>
+      </dgm:t>
     </dgm:pt>
     <dgm:pt modelId="{7F160301-D445-4A5C-8041-1A2308C97EC6}" type="pres">
       <dgm:prSet presAssocID="{EB5803A7-86A7-47E3-9B81-D04A4A41A92A}" presName="spaceBetweenRectangles" presStyleCnt="0"/>
@@ -3641,6 +3676,13 @@
     <dgm:pt modelId="{F8ADE7DB-3DD0-4421-8DD8-CD1B0073298A}" type="pres">
       <dgm:prSet presAssocID="{11303059-83F3-4BE3-86E5-E27F8E43283B}" presName="parentLeftMargin" presStyleLbl="node1" presStyleIdx="0" presStyleCnt="5"/>
       <dgm:spPr/>
+      <dgm:t>
+        <a:bodyPr/>
+        <a:lstStyle/>
+        <a:p>
+          <a:endParaRPr lang="es-ES"/>
+        </a:p>
+      </dgm:t>
     </dgm:pt>
     <dgm:pt modelId="{D3591DBE-044D-4A5B-86B4-AB1B6E688487}" type="pres">
       <dgm:prSet presAssocID="{11303059-83F3-4BE3-86E5-E27F8E43283B}" presName="parentText" presStyleLbl="node1" presStyleIdx="1" presStyleCnt="5">
@@ -3650,6 +3692,13 @@
         </dgm:presLayoutVars>
       </dgm:prSet>
       <dgm:spPr/>
+      <dgm:t>
+        <a:bodyPr/>
+        <a:lstStyle/>
+        <a:p>
+          <a:endParaRPr lang="es-ES"/>
+        </a:p>
+      </dgm:t>
     </dgm:pt>
     <dgm:pt modelId="{D632A44B-69A6-4873-8F29-A7ACD5964157}" type="pres">
       <dgm:prSet presAssocID="{11303059-83F3-4BE3-86E5-E27F8E43283B}" presName="negativeSpace" presStyleCnt="0"/>
@@ -3662,6 +3711,13 @@
         </dgm:presLayoutVars>
       </dgm:prSet>
       <dgm:spPr/>
+      <dgm:t>
+        <a:bodyPr/>
+        <a:lstStyle/>
+        <a:p>
+          <a:endParaRPr lang="es-ES"/>
+        </a:p>
+      </dgm:t>
     </dgm:pt>
     <dgm:pt modelId="{A326B02C-4C29-4C55-A061-77CF54F278D6}" type="pres">
       <dgm:prSet presAssocID="{4C8B85E8-23B7-450C-8081-C0D7CCADE224}" presName="spaceBetweenRectangles" presStyleCnt="0"/>
@@ -3674,6 +3730,13 @@
     <dgm:pt modelId="{322AB51F-6FBB-4F6B-9DCB-EC2B6CC1BBAC}" type="pres">
       <dgm:prSet presAssocID="{C06E6A87-187F-4DBE-806A-24E2C8914C85}" presName="parentLeftMargin" presStyleLbl="node1" presStyleIdx="1" presStyleCnt="5"/>
       <dgm:spPr/>
+      <dgm:t>
+        <a:bodyPr/>
+        <a:lstStyle/>
+        <a:p>
+          <a:endParaRPr lang="es-ES"/>
+        </a:p>
+      </dgm:t>
     </dgm:pt>
     <dgm:pt modelId="{8E7F3C42-75A3-42F1-9086-24C78E771BBC}" type="pres">
       <dgm:prSet presAssocID="{C06E6A87-187F-4DBE-806A-24E2C8914C85}" presName="parentText" presStyleLbl="node1" presStyleIdx="2" presStyleCnt="5">
@@ -3683,6 +3746,13 @@
         </dgm:presLayoutVars>
       </dgm:prSet>
       <dgm:spPr/>
+      <dgm:t>
+        <a:bodyPr/>
+        <a:lstStyle/>
+        <a:p>
+          <a:endParaRPr lang="es-ES"/>
+        </a:p>
+      </dgm:t>
     </dgm:pt>
     <dgm:pt modelId="{0B70D06C-29A1-478C-8567-E5A8E2B6CF25}" type="pres">
       <dgm:prSet presAssocID="{C06E6A87-187F-4DBE-806A-24E2C8914C85}" presName="negativeSpace" presStyleCnt="0"/>
@@ -3695,6 +3765,13 @@
         </dgm:presLayoutVars>
       </dgm:prSet>
       <dgm:spPr/>
+      <dgm:t>
+        <a:bodyPr/>
+        <a:lstStyle/>
+        <a:p>
+          <a:endParaRPr lang="es-ES"/>
+        </a:p>
+      </dgm:t>
     </dgm:pt>
     <dgm:pt modelId="{F927B532-3250-4698-A15E-2D35C7B9666F}" type="pres">
       <dgm:prSet presAssocID="{0492CE50-F344-4070-A299-5AB4F1966DD2}" presName="spaceBetweenRectangles" presStyleCnt="0"/>
@@ -3707,6 +3784,13 @@
     <dgm:pt modelId="{BE82DB61-FEE7-4FF1-BCAB-2BFB79ADE1D5}" type="pres">
       <dgm:prSet presAssocID="{2CD957DE-042A-490B-94D1-F92CA67FCD24}" presName="parentLeftMargin" presStyleLbl="node1" presStyleIdx="2" presStyleCnt="5"/>
       <dgm:spPr/>
+      <dgm:t>
+        <a:bodyPr/>
+        <a:lstStyle/>
+        <a:p>
+          <a:endParaRPr lang="es-ES"/>
+        </a:p>
+      </dgm:t>
     </dgm:pt>
     <dgm:pt modelId="{7105AA7F-8C51-4959-8938-E9E230B838C8}" type="pres">
       <dgm:prSet presAssocID="{2CD957DE-042A-490B-94D1-F92CA67FCD24}" presName="parentText" presStyleLbl="node1" presStyleIdx="3" presStyleCnt="5">
@@ -3716,6 +3800,13 @@
         </dgm:presLayoutVars>
       </dgm:prSet>
       <dgm:spPr/>
+      <dgm:t>
+        <a:bodyPr/>
+        <a:lstStyle/>
+        <a:p>
+          <a:endParaRPr lang="es-ES"/>
+        </a:p>
+      </dgm:t>
     </dgm:pt>
     <dgm:pt modelId="{9AA63686-C0BE-4502-8BD6-08CBB30E6307}" type="pres">
       <dgm:prSet presAssocID="{2CD957DE-042A-490B-94D1-F92CA67FCD24}" presName="negativeSpace" presStyleCnt="0"/>
@@ -3728,6 +3819,13 @@
         </dgm:presLayoutVars>
       </dgm:prSet>
       <dgm:spPr/>
+      <dgm:t>
+        <a:bodyPr/>
+        <a:lstStyle/>
+        <a:p>
+          <a:endParaRPr lang="es-ES"/>
+        </a:p>
+      </dgm:t>
     </dgm:pt>
     <dgm:pt modelId="{696BB492-F02A-4497-96E4-8FBDEE3561AB}" type="pres">
       <dgm:prSet presAssocID="{663494ED-3547-408D-949D-4AE192C52E83}" presName="spaceBetweenRectangles" presStyleCnt="0"/>
@@ -3740,6 +3838,13 @@
     <dgm:pt modelId="{429A468C-CA7B-4C1A-863B-D4D36CA0B3FE}" type="pres">
       <dgm:prSet presAssocID="{D3A65145-8047-44C4-91EB-F119800F740A}" presName="parentLeftMargin" presStyleLbl="node1" presStyleIdx="3" presStyleCnt="5"/>
       <dgm:spPr/>
+      <dgm:t>
+        <a:bodyPr/>
+        <a:lstStyle/>
+        <a:p>
+          <a:endParaRPr lang="es-ES"/>
+        </a:p>
+      </dgm:t>
     </dgm:pt>
     <dgm:pt modelId="{3AF271F3-88BC-4908-B3D2-FE0A6BC8F2D5}" type="pres">
       <dgm:prSet presAssocID="{D3A65145-8047-44C4-91EB-F119800F740A}" presName="parentText" presStyleLbl="node1" presStyleIdx="4" presStyleCnt="5">
@@ -3749,6 +3854,13 @@
         </dgm:presLayoutVars>
       </dgm:prSet>
       <dgm:spPr/>
+      <dgm:t>
+        <a:bodyPr/>
+        <a:lstStyle/>
+        <a:p>
+          <a:endParaRPr lang="es-ES"/>
+        </a:p>
+      </dgm:t>
     </dgm:pt>
     <dgm:pt modelId="{00126A17-149B-4B53-82D1-AC1EB0110EDF}" type="pres">
       <dgm:prSet presAssocID="{D3A65145-8047-44C4-91EB-F119800F740A}" presName="negativeSpace" presStyleCnt="0"/>
@@ -3761,35 +3873,42 @@
         </dgm:presLayoutVars>
       </dgm:prSet>
       <dgm:spPr/>
+      <dgm:t>
+        <a:bodyPr/>
+        <a:lstStyle/>
+        <a:p>
+          <a:endParaRPr lang="es-ES"/>
+        </a:p>
+      </dgm:t>
     </dgm:pt>
   </dgm:ptLst>
   <dgm:cxnLst>
-    <dgm:cxn modelId="{2F046302-523A-449F-835E-372BC2CF72DE}" type="presOf" srcId="{DB661B54-7975-4676-A9CB-7AE1042EE043}" destId="{8E2316AC-9C98-4FDA-99C4-7377245A589B}" srcOrd="0" destOrd="0" presId="urn:microsoft.com/office/officeart/2005/8/layout/list1"/>
-    <dgm:cxn modelId="{D0E9A217-12CA-4181-8DD1-5B53C7FE0808}" srcId="{B1CEDCBA-DAA5-44BC-88F5-14D78E335C32}" destId="{C06E6A87-187F-4DBE-806A-24E2C8914C85}" srcOrd="2" destOrd="0" parTransId="{4D8EB744-CD17-44EE-BAC1-07E47B7F9F8E}" sibTransId="{0492CE50-F344-4070-A299-5AB4F1966DD2}"/>
-    <dgm:cxn modelId="{A0795F1C-0DEF-42B1-9B17-D6CE5834DB88}" type="presOf" srcId="{2CD957DE-042A-490B-94D1-F92CA67FCD24}" destId="{BE82DB61-FEE7-4FF1-BCAB-2BFB79ADE1D5}" srcOrd="0" destOrd="0" presId="urn:microsoft.com/office/officeart/2005/8/layout/list1"/>
-    <dgm:cxn modelId="{4B50922C-9B18-4A48-AE5F-1DE9A0551122}" srcId="{B1CEDCBA-DAA5-44BC-88F5-14D78E335C32}" destId="{2CD957DE-042A-490B-94D1-F92CA67FCD24}" srcOrd="3" destOrd="0" parTransId="{4F4C6417-F9B9-459E-AB1A-E001D0C7EDBF}" sibTransId="{663494ED-3547-408D-949D-4AE192C52E83}"/>
-    <dgm:cxn modelId="{2E9F5135-18D2-4975-828C-FD35124BD812}" type="presOf" srcId="{C06E6A87-187F-4DBE-806A-24E2C8914C85}" destId="{8E7F3C42-75A3-42F1-9086-24C78E771BBC}" srcOrd="1" destOrd="0" presId="urn:microsoft.com/office/officeart/2005/8/layout/list1"/>
-    <dgm:cxn modelId="{708D3039-67B4-45DA-B710-5013B1581410}" srcId="{B1CEDCBA-DAA5-44BC-88F5-14D78E335C32}" destId="{C401EDAD-58E7-4825-8B28-741A14E06A61}" srcOrd="0" destOrd="0" parTransId="{4F540892-093A-4147-BE9E-2A3C594A5B41}" sibTransId="{EB5803A7-86A7-47E3-9B81-D04A4A41A92A}"/>
-    <dgm:cxn modelId="{0776C33A-F5F9-4BC5-9410-AE911C6418A7}" type="presOf" srcId="{F887F22D-0A7C-4944-BC2B-7DFBD215C39C}" destId="{E0D0D172-A948-4128-9067-03F5C956D144}" srcOrd="0" destOrd="0" presId="urn:microsoft.com/office/officeart/2005/8/layout/list1"/>
+    <dgm:cxn modelId="{BC26C2A9-D9A9-4A45-BFEA-F785B2AB6210}" srcId="{C06E6A87-187F-4DBE-806A-24E2C8914C85}" destId="{DB661B54-7975-4676-A9CB-7AE1042EE043}" srcOrd="0" destOrd="0" parTransId="{5056E2B8-9F78-4562-9683-F922AED61D05}" sibTransId="{7E0F7D27-7880-4E96-A9E4-3D9AAC49CE33}"/>
+    <dgm:cxn modelId="{1D36DCCB-0931-43A3-9A16-C8F3F09B44B8}" type="presOf" srcId="{D3A65145-8047-44C4-91EB-F119800F740A}" destId="{429A468C-CA7B-4C1A-863B-D4D36CA0B3FE}" srcOrd="0" destOrd="0" presId="urn:microsoft.com/office/officeart/2005/8/layout/list1"/>
     <dgm:cxn modelId="{36893C3B-0D6D-4AC5-AD83-B1ABBB81C655}" type="presOf" srcId="{11303059-83F3-4BE3-86E5-E27F8E43283B}" destId="{D3591DBE-044D-4A5B-86B4-AB1B6E688487}" srcOrd="1" destOrd="0" presId="urn:microsoft.com/office/officeart/2005/8/layout/list1"/>
     <dgm:cxn modelId="{5B30083F-3EF7-4748-8B81-2C9F14E1FEEF}" type="presOf" srcId="{C401EDAD-58E7-4825-8B28-741A14E06A61}" destId="{916E78EA-EFBA-4B00-BB44-FB8A6475DE23}" srcOrd="0" destOrd="0" presId="urn:microsoft.com/office/officeart/2005/8/layout/list1"/>
-    <dgm:cxn modelId="{4344B843-8535-4A60-9927-FF862AE6F2FD}" srcId="{B1CEDCBA-DAA5-44BC-88F5-14D78E335C32}" destId="{11303059-83F3-4BE3-86E5-E27F8E43283B}" srcOrd="1" destOrd="0" parTransId="{D3FD5708-D2DD-4C6F-9A54-153AC3CE1945}" sibTransId="{4C8B85E8-23B7-450C-8081-C0D7CCADE224}"/>
+    <dgm:cxn modelId="{2E9F5135-18D2-4975-828C-FD35124BD812}" type="presOf" srcId="{C06E6A87-187F-4DBE-806A-24E2C8914C85}" destId="{8E7F3C42-75A3-42F1-9086-24C78E771BBC}" srcOrd="1" destOrd="0" presId="urn:microsoft.com/office/officeart/2005/8/layout/list1"/>
+    <dgm:cxn modelId="{D0E9A217-12CA-4181-8DD1-5B53C7FE0808}" srcId="{B1CEDCBA-DAA5-44BC-88F5-14D78E335C32}" destId="{C06E6A87-187F-4DBE-806A-24E2C8914C85}" srcOrd="2" destOrd="0" parTransId="{4D8EB744-CD17-44EE-BAC1-07E47B7F9F8E}" sibTransId="{0492CE50-F344-4070-A299-5AB4F1966DD2}"/>
+    <dgm:cxn modelId="{FE3E7AA0-B54D-4E33-8A19-7B917A445DC5}" type="presOf" srcId="{EE8FF8AF-D0BE-4426-93AF-1B26AFBE54AD}" destId="{F533B8AF-AB9A-48C4-A00E-7E4A4271D945}" srcOrd="0" destOrd="0" presId="urn:microsoft.com/office/officeart/2005/8/layout/list1"/>
+    <dgm:cxn modelId="{9EFC78CC-DEA8-4E52-A175-E17E7B7E52A7}" type="presOf" srcId="{D3A65145-8047-44C4-91EB-F119800F740A}" destId="{3AF271F3-88BC-4908-B3D2-FE0A6BC8F2D5}" srcOrd="1" destOrd="0" presId="urn:microsoft.com/office/officeart/2005/8/layout/list1"/>
+    <dgm:cxn modelId="{47BA6E81-F894-484C-A233-E13F9CBFEED4}" type="presOf" srcId="{2CD957DE-042A-490B-94D1-F92CA67FCD24}" destId="{7105AA7F-8C51-4959-8938-E9E230B838C8}" srcOrd="1" destOrd="0" presId="urn:microsoft.com/office/officeart/2005/8/layout/list1"/>
+    <dgm:cxn modelId="{708D3039-67B4-45DA-B710-5013B1581410}" srcId="{B1CEDCBA-DAA5-44BC-88F5-14D78E335C32}" destId="{C401EDAD-58E7-4825-8B28-741A14E06A61}" srcOrd="0" destOrd="0" parTransId="{4F540892-093A-4147-BE9E-2A3C594A5B41}" sibTransId="{EB5803A7-86A7-47E3-9B81-D04A4A41A92A}"/>
+    <dgm:cxn modelId="{E59CD2FD-8547-46BB-88F4-24C1A7AB9BF8}" srcId="{B1CEDCBA-DAA5-44BC-88F5-14D78E335C32}" destId="{D3A65145-8047-44C4-91EB-F119800F740A}" srcOrd="4" destOrd="0" parTransId="{3E25555A-51C0-413A-8042-B85D00FED033}" sibTransId="{CB3B4418-743E-44A6-B2FD-07A7E6C8014E}"/>
+    <dgm:cxn modelId="{2F046302-523A-449F-835E-372BC2CF72DE}" type="presOf" srcId="{DB661B54-7975-4676-A9CB-7AE1042EE043}" destId="{8E2316AC-9C98-4FDA-99C4-7377245A589B}" srcOrd="0" destOrd="0" presId="urn:microsoft.com/office/officeart/2005/8/layout/list1"/>
     <dgm:cxn modelId="{124B5747-609B-485C-95AB-841A7C08D929}" srcId="{2CD957DE-042A-490B-94D1-F92CA67FCD24}" destId="{F887F22D-0A7C-4944-BC2B-7DFBD215C39C}" srcOrd="0" destOrd="0" parTransId="{5A56ECDB-E366-4FAD-B8A3-F08AE7AB87E1}" sibTransId="{5E8D976F-8067-465F-823B-DD8BDB135170}"/>
+    <dgm:cxn modelId="{0776C33A-F5F9-4BC5-9410-AE911C6418A7}" type="presOf" srcId="{F887F22D-0A7C-4944-BC2B-7DFBD215C39C}" destId="{E0D0D172-A948-4128-9067-03F5C956D144}" srcOrd="0" destOrd="0" presId="urn:microsoft.com/office/officeart/2005/8/layout/list1"/>
+    <dgm:cxn modelId="{4B50922C-9B18-4A48-AE5F-1DE9A0551122}" srcId="{B1CEDCBA-DAA5-44BC-88F5-14D78E335C32}" destId="{2CD957DE-042A-490B-94D1-F92CA67FCD24}" srcOrd="3" destOrd="0" parTransId="{4F4C6417-F9B9-459E-AB1A-E001D0C7EDBF}" sibTransId="{663494ED-3547-408D-949D-4AE192C52E83}"/>
     <dgm:cxn modelId="{0FF83C74-7BC8-44EE-AAB8-79C3B9A956EA}" type="presOf" srcId="{11303059-83F3-4BE3-86E5-E27F8E43283B}" destId="{F8ADE7DB-3DD0-4421-8DD8-CD1B0073298A}" srcOrd="0" destOrd="0" presId="urn:microsoft.com/office/officeart/2005/8/layout/list1"/>
+    <dgm:cxn modelId="{86F60D8F-A8F3-4D71-9F4D-6A35C4F5D617}" type="presOf" srcId="{44053C11-5A13-4CF9-B053-1389645CFB19}" destId="{6EC3025B-3B79-404A-9D19-7C82CAA2B89C}" srcOrd="0" destOrd="0" presId="urn:microsoft.com/office/officeart/2005/8/layout/list1"/>
+    <dgm:cxn modelId="{A0795F1C-0DEF-42B1-9B17-D6CE5834DB88}" type="presOf" srcId="{2CD957DE-042A-490B-94D1-F92CA67FCD24}" destId="{BE82DB61-FEE7-4FF1-BCAB-2BFB79ADE1D5}" srcOrd="0" destOrd="0" presId="urn:microsoft.com/office/officeart/2005/8/layout/list1"/>
+    <dgm:cxn modelId="{0C58B6DA-A07F-4F93-AA79-22F9E924C598}" type="presOf" srcId="{B1CEDCBA-DAA5-44BC-88F5-14D78E335C32}" destId="{F99E3761-ED7E-4F01-AC58-7E8521D08505}" srcOrd="0" destOrd="0" presId="urn:microsoft.com/office/officeart/2005/8/layout/list1"/>
+    <dgm:cxn modelId="{F10A45C3-4AF0-4FD6-9731-EE1BCA315CCB}" type="presOf" srcId="{D90B79C3-154C-4F55-AE32-7AAF0CE38A7A}" destId="{A7702C85-E85E-4766-AA7A-3751AA34E23F}" srcOrd="0" destOrd="0" presId="urn:microsoft.com/office/officeart/2005/8/layout/list1"/>
+    <dgm:cxn modelId="{3BC9B4E0-EEE1-4388-B387-E1BCF65AA49D}" type="presOf" srcId="{C06E6A87-187F-4DBE-806A-24E2C8914C85}" destId="{322AB51F-6FBB-4F6B-9DCB-EC2B6CC1BBAC}" srcOrd="0" destOrd="0" presId="urn:microsoft.com/office/officeart/2005/8/layout/list1"/>
+    <dgm:cxn modelId="{B22E8FD0-1896-4839-8E12-3D545FE190F8}" srcId="{D3A65145-8047-44C4-91EB-F119800F740A}" destId="{D90B79C3-154C-4F55-AE32-7AAF0CE38A7A}" srcOrd="0" destOrd="0" parTransId="{8C50ECC6-ECFF-4655-9799-BDA87EB7AA1B}" sibTransId="{2B899D86-E1AF-4EFD-A6C5-F3BB6AD2B0ED}"/>
+    <dgm:cxn modelId="{82209DA2-8460-412E-81C4-71663FD36556}" type="presOf" srcId="{C401EDAD-58E7-4825-8B28-741A14E06A61}" destId="{7476288A-322E-404D-A0BD-474F69A9B47B}" srcOrd="1" destOrd="0" presId="urn:microsoft.com/office/officeart/2005/8/layout/list1"/>
     <dgm:cxn modelId="{E785D956-3233-4C27-87D8-9597A0A7315E}" srcId="{C401EDAD-58E7-4825-8B28-741A14E06A61}" destId="{EE8FF8AF-D0BE-4426-93AF-1B26AFBE54AD}" srcOrd="0" destOrd="0" parTransId="{2DB36342-5347-4085-BFFA-88D9B04CE2AC}" sibTransId="{4D52E6F0-7599-4C1B-92D9-023FE121CAD8}"/>
     <dgm:cxn modelId="{6EDD477E-DFF3-41B8-8A65-4A414E94FDDD}" srcId="{11303059-83F3-4BE3-86E5-E27F8E43283B}" destId="{44053C11-5A13-4CF9-B053-1389645CFB19}" srcOrd="0" destOrd="0" parTransId="{B0634118-F3AF-479F-B82B-45222D91C921}" sibTransId="{27AAAFB6-75A7-445E-9739-94B1083470A2}"/>
-    <dgm:cxn modelId="{47BA6E81-F894-484C-A233-E13F9CBFEED4}" type="presOf" srcId="{2CD957DE-042A-490B-94D1-F92CA67FCD24}" destId="{7105AA7F-8C51-4959-8938-E9E230B838C8}" srcOrd="1" destOrd="0" presId="urn:microsoft.com/office/officeart/2005/8/layout/list1"/>
-    <dgm:cxn modelId="{86F60D8F-A8F3-4D71-9F4D-6A35C4F5D617}" type="presOf" srcId="{44053C11-5A13-4CF9-B053-1389645CFB19}" destId="{6EC3025B-3B79-404A-9D19-7C82CAA2B89C}" srcOrd="0" destOrd="0" presId="urn:microsoft.com/office/officeart/2005/8/layout/list1"/>
-    <dgm:cxn modelId="{FE3E7AA0-B54D-4E33-8A19-7B917A445DC5}" type="presOf" srcId="{EE8FF8AF-D0BE-4426-93AF-1B26AFBE54AD}" destId="{F533B8AF-AB9A-48C4-A00E-7E4A4271D945}" srcOrd="0" destOrd="0" presId="urn:microsoft.com/office/officeart/2005/8/layout/list1"/>
-    <dgm:cxn modelId="{82209DA2-8460-412E-81C4-71663FD36556}" type="presOf" srcId="{C401EDAD-58E7-4825-8B28-741A14E06A61}" destId="{7476288A-322E-404D-A0BD-474F69A9B47B}" srcOrd="1" destOrd="0" presId="urn:microsoft.com/office/officeart/2005/8/layout/list1"/>
-    <dgm:cxn modelId="{BC26C2A9-D9A9-4A45-BFEA-F785B2AB6210}" srcId="{C06E6A87-187F-4DBE-806A-24E2C8914C85}" destId="{DB661B54-7975-4676-A9CB-7AE1042EE043}" srcOrd="0" destOrd="0" parTransId="{5056E2B8-9F78-4562-9683-F922AED61D05}" sibTransId="{7E0F7D27-7880-4E96-A9E4-3D9AAC49CE33}"/>
-    <dgm:cxn modelId="{F10A45C3-4AF0-4FD6-9731-EE1BCA315CCB}" type="presOf" srcId="{D90B79C3-154C-4F55-AE32-7AAF0CE38A7A}" destId="{A7702C85-E85E-4766-AA7A-3751AA34E23F}" srcOrd="0" destOrd="0" presId="urn:microsoft.com/office/officeart/2005/8/layout/list1"/>
-    <dgm:cxn modelId="{1D36DCCB-0931-43A3-9A16-C8F3F09B44B8}" type="presOf" srcId="{D3A65145-8047-44C4-91EB-F119800F740A}" destId="{429A468C-CA7B-4C1A-863B-D4D36CA0B3FE}" srcOrd="0" destOrd="0" presId="urn:microsoft.com/office/officeart/2005/8/layout/list1"/>
-    <dgm:cxn modelId="{9EFC78CC-DEA8-4E52-A175-E17E7B7E52A7}" type="presOf" srcId="{D3A65145-8047-44C4-91EB-F119800F740A}" destId="{3AF271F3-88BC-4908-B3D2-FE0A6BC8F2D5}" srcOrd="1" destOrd="0" presId="urn:microsoft.com/office/officeart/2005/8/layout/list1"/>
-    <dgm:cxn modelId="{B22E8FD0-1896-4839-8E12-3D545FE190F8}" srcId="{D3A65145-8047-44C4-91EB-F119800F740A}" destId="{D90B79C3-154C-4F55-AE32-7AAF0CE38A7A}" srcOrd="0" destOrd="0" parTransId="{8C50ECC6-ECFF-4655-9799-BDA87EB7AA1B}" sibTransId="{2B899D86-E1AF-4EFD-A6C5-F3BB6AD2B0ED}"/>
-    <dgm:cxn modelId="{0C58B6DA-A07F-4F93-AA79-22F9E924C598}" type="presOf" srcId="{B1CEDCBA-DAA5-44BC-88F5-14D78E335C32}" destId="{F99E3761-ED7E-4F01-AC58-7E8521D08505}" srcOrd="0" destOrd="0" presId="urn:microsoft.com/office/officeart/2005/8/layout/list1"/>
-    <dgm:cxn modelId="{3BC9B4E0-EEE1-4388-B387-E1BCF65AA49D}" type="presOf" srcId="{C06E6A87-187F-4DBE-806A-24E2C8914C85}" destId="{322AB51F-6FBB-4F6B-9DCB-EC2B6CC1BBAC}" srcOrd="0" destOrd="0" presId="urn:microsoft.com/office/officeart/2005/8/layout/list1"/>
-    <dgm:cxn modelId="{E59CD2FD-8547-46BB-88F4-24C1A7AB9BF8}" srcId="{B1CEDCBA-DAA5-44BC-88F5-14D78E335C32}" destId="{D3A65145-8047-44C4-91EB-F119800F740A}" srcOrd="4" destOrd="0" parTransId="{3E25555A-51C0-413A-8042-B85D00FED033}" sibTransId="{CB3B4418-743E-44A6-B2FD-07A7E6C8014E}"/>
+    <dgm:cxn modelId="{4344B843-8535-4A60-9927-FF862AE6F2FD}" srcId="{B1CEDCBA-DAA5-44BC-88F5-14D78E335C32}" destId="{11303059-83F3-4BE3-86E5-E27F8E43283B}" srcOrd="1" destOrd="0" parTransId="{D3FD5708-D2DD-4C6F-9A54-153AC3CE1945}" sibTransId="{4C8B85E8-23B7-450C-8081-C0D7CCADE224}"/>
     <dgm:cxn modelId="{E0AA1508-E723-443F-A9D7-24104B70E40D}" type="presParOf" srcId="{F99E3761-ED7E-4F01-AC58-7E8521D08505}" destId="{0CF2A508-3CF3-42DD-9156-C4558D30122B}" srcOrd="0" destOrd="0" presId="urn:microsoft.com/office/officeart/2005/8/layout/list1"/>
     <dgm:cxn modelId="{132EC432-0CAC-4935-976B-16BA75FD6655}" type="presParOf" srcId="{0CF2A508-3CF3-42DD-9156-C4558D30122B}" destId="{916E78EA-EFBA-4B00-BB44-FB8A6475DE23}" srcOrd="0" destOrd="0" presId="urn:microsoft.com/office/officeart/2005/8/layout/list1"/>
     <dgm:cxn modelId="{E3A8C6BB-F319-4369-85CF-967EE6859C53}" type="presParOf" srcId="{0CF2A508-3CF3-42DD-9156-C4558D30122B}" destId="{7476288A-322E-404D-A0BD-474F69A9B47B}" srcOrd="1" destOrd="0" presId="urn:microsoft.com/office/officeart/2005/8/layout/list1"/>
@@ -3961,6 +4080,13 @@
         </dgm:presLayoutVars>
       </dgm:prSet>
       <dgm:spPr/>
+      <dgm:t>
+        <a:bodyPr/>
+        <a:lstStyle/>
+        <a:p>
+          <a:endParaRPr lang="es-ES"/>
+        </a:p>
+      </dgm:t>
     </dgm:pt>
     <dgm:pt modelId="{B9F2F24B-CA64-4DAD-AEF3-228505A02BE1}" type="pres">
       <dgm:prSet presAssocID="{7BC0ECEC-8864-4883-9FA3-ED37A6FA236A}" presName="linNode" presStyleCnt="0"/>
@@ -3974,6 +4100,13 @@
         </dgm:presLayoutVars>
       </dgm:prSet>
       <dgm:spPr/>
+      <dgm:t>
+        <a:bodyPr/>
+        <a:lstStyle/>
+        <a:p>
+          <a:endParaRPr lang="es-ES"/>
+        </a:p>
+      </dgm:t>
     </dgm:pt>
     <dgm:pt modelId="{CD7570AB-46C3-4660-827D-7EBD499364F3}" type="pres">
       <dgm:prSet presAssocID="{7BC0ECEC-8864-4883-9FA3-ED37A6FA236A}" presName="descendantText" presStyleLbl="alignAccFollowNode1" presStyleIdx="0" presStyleCnt="1" custScaleY="108016">
@@ -3982,14 +4115,21 @@
         </dgm:presLayoutVars>
       </dgm:prSet>
       <dgm:spPr/>
+      <dgm:t>
+        <a:bodyPr/>
+        <a:lstStyle/>
+        <a:p>
+          <a:endParaRPr lang="es-ES"/>
+        </a:p>
+      </dgm:t>
     </dgm:pt>
   </dgm:ptLst>
   <dgm:cxnLst>
+    <dgm:cxn modelId="{FE696C3F-F669-4701-BB1E-1F0B2EEAE7F5}" type="presOf" srcId="{44D1E204-2E52-4DBA-BFF0-5461FA735A78}" destId="{D7FEF45B-541B-499F-84D5-91C9FB6B7963}" srcOrd="0" destOrd="0" presId="urn:microsoft.com/office/officeart/2005/8/layout/vList5"/>
+    <dgm:cxn modelId="{77DF4731-9519-4EB8-8D03-9AA8E5F8925F}" type="presOf" srcId="{FFC49B3F-4DA0-4734-896A-1DD0C0CCF0A4}" destId="{CD7570AB-46C3-4660-827D-7EBD499364F3}" srcOrd="0" destOrd="0" presId="urn:microsoft.com/office/officeart/2005/8/layout/vList5"/>
+    <dgm:cxn modelId="{2602038C-4E42-431F-AC36-89AECCF4A90C}" srcId="{44D1E204-2E52-4DBA-BFF0-5461FA735A78}" destId="{7BC0ECEC-8864-4883-9FA3-ED37A6FA236A}" srcOrd="0" destOrd="0" parTransId="{37697248-8CCB-4354-A213-CC3928A74C1C}" sibTransId="{DA1DD2D8-CF58-4FF9-B62E-0180D3006945}"/>
     <dgm:cxn modelId="{7F3F9401-7430-477C-86C8-148D503DFBA0}" srcId="{7BC0ECEC-8864-4883-9FA3-ED37A6FA236A}" destId="{FFC49B3F-4DA0-4734-896A-1DD0C0CCF0A4}" srcOrd="0" destOrd="0" parTransId="{039CD842-D5DC-4FFF-91A9-BB748554D4B1}" sibTransId="{2F4A7DB8-B24B-48AA-8A53-327B8BFC7735}"/>
-    <dgm:cxn modelId="{77DF4731-9519-4EB8-8D03-9AA8E5F8925F}" type="presOf" srcId="{FFC49B3F-4DA0-4734-896A-1DD0C0CCF0A4}" destId="{CD7570AB-46C3-4660-827D-7EBD499364F3}" srcOrd="0" destOrd="0" presId="urn:microsoft.com/office/officeart/2005/8/layout/vList5"/>
     <dgm:cxn modelId="{EC29E734-DFB5-4E09-AA74-BC21E887CC4A}" type="presOf" srcId="{7BC0ECEC-8864-4883-9FA3-ED37A6FA236A}" destId="{37EFB79D-22B5-4988-A78A-5457DAD35F87}" srcOrd="0" destOrd="0" presId="urn:microsoft.com/office/officeart/2005/8/layout/vList5"/>
-    <dgm:cxn modelId="{FE696C3F-F669-4701-BB1E-1F0B2EEAE7F5}" type="presOf" srcId="{44D1E204-2E52-4DBA-BFF0-5461FA735A78}" destId="{D7FEF45B-541B-499F-84D5-91C9FB6B7963}" srcOrd="0" destOrd="0" presId="urn:microsoft.com/office/officeart/2005/8/layout/vList5"/>
-    <dgm:cxn modelId="{2602038C-4E42-431F-AC36-89AECCF4A90C}" srcId="{44D1E204-2E52-4DBA-BFF0-5461FA735A78}" destId="{7BC0ECEC-8864-4883-9FA3-ED37A6FA236A}" srcOrd="0" destOrd="0" parTransId="{37697248-8CCB-4354-A213-CC3928A74C1C}" sibTransId="{DA1DD2D8-CF58-4FF9-B62E-0180D3006945}"/>
     <dgm:cxn modelId="{591BF736-068D-4376-964C-A5817B3210ED}" type="presParOf" srcId="{D7FEF45B-541B-499F-84D5-91C9FB6B7963}" destId="{B9F2F24B-CA64-4DAD-AEF3-228505A02BE1}" srcOrd="0" destOrd="0" presId="urn:microsoft.com/office/officeart/2005/8/layout/vList5"/>
     <dgm:cxn modelId="{2289FEAE-7C98-467D-8114-70B653F57431}" type="presParOf" srcId="{B9F2F24B-CA64-4DAD-AEF3-228505A02BE1}" destId="{37EFB79D-22B5-4988-A78A-5457DAD35F87}" srcOrd="0" destOrd="0" presId="urn:microsoft.com/office/officeart/2005/8/layout/vList5"/>
     <dgm:cxn modelId="{5593C84A-205D-49E6-B1E2-4CD7707C1DC0}" type="presParOf" srcId="{B9F2F24B-CA64-4DAD-AEF3-228505A02BE1}" destId="{CD7570AB-46C3-4660-827D-7EBD499364F3}" srcOrd="1" destOrd="0" presId="urn:microsoft.com/office/officeart/2005/8/layout/vList5"/>
@@ -4424,6 +4564,13 @@
     <dgm:pt modelId="{62963EAE-756C-44FE-A1DB-A0F24F252632}" type="pres">
       <dgm:prSet presAssocID="{A69CFE27-BDFC-44D6-B9FD-8B11A6A5A6B4}" presName="parentLeftMargin" presStyleLbl="node1" presStyleIdx="0" presStyleCnt="4"/>
       <dgm:spPr/>
+      <dgm:t>
+        <a:bodyPr/>
+        <a:lstStyle/>
+        <a:p>
+          <a:endParaRPr lang="es-ES"/>
+        </a:p>
+      </dgm:t>
     </dgm:pt>
     <dgm:pt modelId="{8B6D4660-4694-4E66-AC4D-2B434B0EF7D0}" type="pres">
       <dgm:prSet presAssocID="{A69CFE27-BDFC-44D6-B9FD-8B11A6A5A6B4}" presName="parentText" presStyleLbl="node1" presStyleIdx="0" presStyleCnt="4">
@@ -4433,6 +4580,13 @@
         </dgm:presLayoutVars>
       </dgm:prSet>
       <dgm:spPr/>
+      <dgm:t>
+        <a:bodyPr/>
+        <a:lstStyle/>
+        <a:p>
+          <a:endParaRPr lang="es-ES"/>
+        </a:p>
+      </dgm:t>
     </dgm:pt>
     <dgm:pt modelId="{4AB479A0-45D2-4D4C-BD78-0B30D778483F}" type="pres">
       <dgm:prSet presAssocID="{A69CFE27-BDFC-44D6-B9FD-8B11A6A5A6B4}" presName="negativeSpace" presStyleCnt="0"/>
@@ -4445,6 +4599,13 @@
         </dgm:presLayoutVars>
       </dgm:prSet>
       <dgm:spPr/>
+      <dgm:t>
+        <a:bodyPr/>
+        <a:lstStyle/>
+        <a:p>
+          <a:endParaRPr lang="es-ES"/>
+        </a:p>
+      </dgm:t>
     </dgm:pt>
     <dgm:pt modelId="{09B4333E-3BE4-40CF-BB1C-954A1C6AD521}" type="pres">
       <dgm:prSet presAssocID="{D978958C-852D-4C92-8519-99BBD4E16EDD}" presName="spaceBetweenRectangles" presStyleCnt="0"/>
@@ -4457,6 +4618,13 @@
     <dgm:pt modelId="{A3CFB282-3E8E-48BE-ACED-09C14C37DAE9}" type="pres">
       <dgm:prSet presAssocID="{80EE0606-4B8E-4461-AA86-C9CD2909C149}" presName="parentLeftMargin" presStyleLbl="node1" presStyleIdx="0" presStyleCnt="4"/>
       <dgm:spPr/>
+      <dgm:t>
+        <a:bodyPr/>
+        <a:lstStyle/>
+        <a:p>
+          <a:endParaRPr lang="es-ES"/>
+        </a:p>
+      </dgm:t>
     </dgm:pt>
     <dgm:pt modelId="{6D0A7BAA-48EF-40FD-BEF1-82BB22D0DB44}" type="pres">
       <dgm:prSet presAssocID="{80EE0606-4B8E-4461-AA86-C9CD2909C149}" presName="parentText" presStyleLbl="node1" presStyleIdx="1" presStyleCnt="4">
@@ -4466,6 +4634,13 @@
         </dgm:presLayoutVars>
       </dgm:prSet>
       <dgm:spPr/>
+      <dgm:t>
+        <a:bodyPr/>
+        <a:lstStyle/>
+        <a:p>
+          <a:endParaRPr lang="es-ES"/>
+        </a:p>
+      </dgm:t>
     </dgm:pt>
     <dgm:pt modelId="{B7F9614A-E1D4-4135-8953-5D5222573D42}" type="pres">
       <dgm:prSet presAssocID="{80EE0606-4B8E-4461-AA86-C9CD2909C149}" presName="negativeSpace" presStyleCnt="0"/>
@@ -4478,6 +4653,13 @@
         </dgm:presLayoutVars>
       </dgm:prSet>
       <dgm:spPr/>
+      <dgm:t>
+        <a:bodyPr/>
+        <a:lstStyle/>
+        <a:p>
+          <a:endParaRPr lang="es-ES"/>
+        </a:p>
+      </dgm:t>
     </dgm:pt>
     <dgm:pt modelId="{7054A5A4-BE55-4780-A25B-197B866494E2}" type="pres">
       <dgm:prSet presAssocID="{B65CD661-D7E7-4D2A-A903-F9628BDCAA43}" presName="spaceBetweenRectangles" presStyleCnt="0"/>
@@ -4490,6 +4672,13 @@
     <dgm:pt modelId="{D2104F15-E332-46FB-8FD8-A01C49648274}" type="pres">
       <dgm:prSet presAssocID="{3A9EDD94-4BBC-4EF7-AE1C-F096435F8F7D}" presName="parentLeftMargin" presStyleLbl="node1" presStyleIdx="1" presStyleCnt="4"/>
       <dgm:spPr/>
+      <dgm:t>
+        <a:bodyPr/>
+        <a:lstStyle/>
+        <a:p>
+          <a:endParaRPr lang="es-ES"/>
+        </a:p>
+      </dgm:t>
     </dgm:pt>
     <dgm:pt modelId="{27C573DD-D7C7-440E-85CD-A45989F5C378}" type="pres">
       <dgm:prSet presAssocID="{3A9EDD94-4BBC-4EF7-AE1C-F096435F8F7D}" presName="parentText" presStyleLbl="node1" presStyleIdx="2" presStyleCnt="4">
@@ -4499,6 +4688,13 @@
         </dgm:presLayoutVars>
       </dgm:prSet>
       <dgm:spPr/>
+      <dgm:t>
+        <a:bodyPr/>
+        <a:lstStyle/>
+        <a:p>
+          <a:endParaRPr lang="es-ES"/>
+        </a:p>
+      </dgm:t>
     </dgm:pt>
     <dgm:pt modelId="{98FD154F-1E8D-46E2-983F-85C9F07DCD2C}" type="pres">
       <dgm:prSet presAssocID="{3A9EDD94-4BBC-4EF7-AE1C-F096435F8F7D}" presName="negativeSpace" presStyleCnt="0"/>
@@ -4511,6 +4707,13 @@
         </dgm:presLayoutVars>
       </dgm:prSet>
       <dgm:spPr/>
+      <dgm:t>
+        <a:bodyPr/>
+        <a:lstStyle/>
+        <a:p>
+          <a:endParaRPr lang="es-ES"/>
+        </a:p>
+      </dgm:t>
     </dgm:pt>
     <dgm:pt modelId="{69468BDC-9B62-44C3-835B-D5C44FD83CAF}" type="pres">
       <dgm:prSet presAssocID="{D1EE05D0-CF84-40F5-95B8-93664FEE1A34}" presName="spaceBetweenRectangles" presStyleCnt="0"/>
@@ -4523,6 +4726,13 @@
     <dgm:pt modelId="{8888BB8C-956F-44A0-ABFB-A91BDC8437B5}" type="pres">
       <dgm:prSet presAssocID="{F7E52E4C-9A58-49DE-9FC5-5DEDEF9A3D7A}" presName="parentLeftMargin" presStyleLbl="node1" presStyleIdx="2" presStyleCnt="4"/>
       <dgm:spPr/>
+      <dgm:t>
+        <a:bodyPr/>
+        <a:lstStyle/>
+        <a:p>
+          <a:endParaRPr lang="es-ES"/>
+        </a:p>
+      </dgm:t>
     </dgm:pt>
     <dgm:pt modelId="{89555DEB-D655-4A76-B341-F21688BCEF16}" type="pres">
       <dgm:prSet presAssocID="{F7E52E4C-9A58-49DE-9FC5-5DEDEF9A3D7A}" presName="parentText" presStyleLbl="node1" presStyleIdx="3" presStyleCnt="4">
@@ -4532,6 +4742,13 @@
         </dgm:presLayoutVars>
       </dgm:prSet>
       <dgm:spPr/>
+      <dgm:t>
+        <a:bodyPr/>
+        <a:lstStyle/>
+        <a:p>
+          <a:endParaRPr lang="es-ES"/>
+        </a:p>
+      </dgm:t>
     </dgm:pt>
     <dgm:pt modelId="{0896ECDA-A950-422D-92AD-9890AC85B8F2}" type="pres">
       <dgm:prSet presAssocID="{F7E52E4C-9A58-49DE-9FC5-5DEDEF9A3D7A}" presName="negativeSpace" presStyleCnt="0"/>
@@ -4544,30 +4761,37 @@
         </dgm:presLayoutVars>
       </dgm:prSet>
       <dgm:spPr/>
+      <dgm:t>
+        <a:bodyPr/>
+        <a:lstStyle/>
+        <a:p>
+          <a:endParaRPr lang="es-ES"/>
+        </a:p>
+      </dgm:t>
     </dgm:pt>
   </dgm:ptLst>
   <dgm:cxnLst>
+    <dgm:cxn modelId="{75F39BF0-4F79-433B-993F-DC4D383D0D1D}" srcId="{3A9EDD94-4BBC-4EF7-AE1C-F096435F8F7D}" destId="{48295E81-DEB7-4D01-A521-212A0E1F9093}" srcOrd="0" destOrd="0" parTransId="{37256F96-C536-4BFE-BC53-EAEE3097B759}" sibTransId="{E3163229-ACC3-4415-9808-5D860B1F93E8}"/>
+    <dgm:cxn modelId="{DA29E021-90F8-46F3-98BE-2448559ADC8F}" srcId="{FD8650A9-6242-4EDB-B4FC-41F7DD344576}" destId="{3A9EDD94-4BBC-4EF7-AE1C-F096435F8F7D}" srcOrd="2" destOrd="0" parTransId="{F30160BD-8C81-4E33-B716-B13BE77DD8C7}" sibTransId="{D1EE05D0-CF84-40F5-95B8-93664FEE1A34}"/>
+    <dgm:cxn modelId="{8C0C16DB-E287-4081-9614-AE95D73C5170}" type="presOf" srcId="{F7E52E4C-9A58-49DE-9FC5-5DEDEF9A3D7A}" destId="{89555DEB-D655-4A76-B341-F21688BCEF16}" srcOrd="1" destOrd="0" presId="urn:microsoft.com/office/officeart/2005/8/layout/list1"/>
+    <dgm:cxn modelId="{42018CC9-ACD9-4B00-AF15-62DC376F96C1}" type="presOf" srcId="{EA2AFB5C-17FB-4243-89B7-5C770E900F5B}" destId="{BB1F7F0C-0A25-41F0-86D8-8387D68A28F3}" srcOrd="0" destOrd="0" presId="urn:microsoft.com/office/officeart/2005/8/layout/list1"/>
+    <dgm:cxn modelId="{EABB0F75-BA77-495B-8BEA-6684E8058AD7}" type="presOf" srcId="{3A9EDD94-4BBC-4EF7-AE1C-F096435F8F7D}" destId="{27C573DD-D7C7-440E-85CD-A45989F5C378}" srcOrd="1" destOrd="0" presId="urn:microsoft.com/office/officeart/2005/8/layout/list1"/>
+    <dgm:cxn modelId="{5FB74F3C-8673-495B-A890-58000063CC34}" type="presOf" srcId="{A69CFE27-BDFC-44D6-B9FD-8B11A6A5A6B4}" destId="{62963EAE-756C-44FE-A1DB-A0F24F252632}" srcOrd="0" destOrd="0" presId="urn:microsoft.com/office/officeart/2005/8/layout/list1"/>
+    <dgm:cxn modelId="{69665A51-9352-4B66-B78F-EE8F2C2B71C1}" srcId="{F7E52E4C-9A58-49DE-9FC5-5DEDEF9A3D7A}" destId="{EA2AFB5C-17FB-4243-89B7-5C770E900F5B}" srcOrd="0" destOrd="0" parTransId="{60643BA6-A60A-487C-99A3-2FD236B9916E}" sibTransId="{C5F14241-DE0C-4DC9-BAD3-4E5501053199}"/>
+    <dgm:cxn modelId="{8F717328-E585-4CC9-974A-A8A6F7586B42}" srcId="{FD8650A9-6242-4EDB-B4FC-41F7DD344576}" destId="{F7E52E4C-9A58-49DE-9FC5-5DEDEF9A3D7A}" srcOrd="3" destOrd="0" parTransId="{94ABF712-8FD6-44B1-BB20-5372F69DFF13}" sibTransId="{E865DDA6-1CE5-4EDF-820F-B51FBEBAAE78}"/>
+    <dgm:cxn modelId="{7F9F7FD1-CF46-4264-AE9A-F674BD237D46}" srcId="{FD8650A9-6242-4EDB-B4FC-41F7DD344576}" destId="{80EE0606-4B8E-4461-AA86-C9CD2909C149}" srcOrd="1" destOrd="0" parTransId="{FE7BF8B4-A096-4415-A546-08532A7F787F}" sibTransId="{B65CD661-D7E7-4D2A-A903-F9628BDCAA43}"/>
+    <dgm:cxn modelId="{BBE32FE1-719D-4556-8976-242479D3F75F}" type="presOf" srcId="{A69CFE27-BDFC-44D6-B9FD-8B11A6A5A6B4}" destId="{8B6D4660-4694-4E66-AC4D-2B434B0EF7D0}" srcOrd="1" destOrd="0" presId="urn:microsoft.com/office/officeart/2005/8/layout/list1"/>
+    <dgm:cxn modelId="{88EEC6B2-6E3F-4712-9124-9D2CB861234F}" type="presOf" srcId="{3A9EDD94-4BBC-4EF7-AE1C-F096435F8F7D}" destId="{D2104F15-E332-46FB-8FD8-A01C49648274}" srcOrd="0" destOrd="0" presId="urn:microsoft.com/office/officeart/2005/8/layout/list1"/>
+    <dgm:cxn modelId="{37A1B5E2-CB17-40A9-BD44-370785F1A805}" srcId="{FD8650A9-6242-4EDB-B4FC-41F7DD344576}" destId="{A69CFE27-BDFC-44D6-B9FD-8B11A6A5A6B4}" srcOrd="0" destOrd="0" parTransId="{1AB0E55F-3812-4F51-B55F-9749FC6051A2}" sibTransId="{D978958C-852D-4C92-8519-99BBD4E16EDD}"/>
+    <dgm:cxn modelId="{2C015D60-61FC-4063-A9BB-AA7A30717611}" type="presOf" srcId="{5F94A0F2-60C1-4C5C-89AC-69EAFAE81712}" destId="{72822F72-BB66-432D-B884-D81F639F4CF3}" srcOrd="0" destOrd="0" presId="urn:microsoft.com/office/officeart/2005/8/layout/list1"/>
     <dgm:cxn modelId="{3D2B7714-EBED-4018-84A8-DF586C06589A}" type="presOf" srcId="{48295E81-DEB7-4D01-A521-212A0E1F9093}" destId="{18814C74-ADBD-4355-8F07-54832F791BE0}" srcOrd="0" destOrd="0" presId="urn:microsoft.com/office/officeart/2005/8/layout/list1"/>
+    <dgm:cxn modelId="{1685BEEF-38AF-4EB3-9108-4843EEBCB22C}" type="presOf" srcId="{80EE0606-4B8E-4461-AA86-C9CD2909C149}" destId="{A3CFB282-3E8E-48BE-ACED-09C14C37DAE9}" srcOrd="0" destOrd="0" presId="urn:microsoft.com/office/officeart/2005/8/layout/list1"/>
+    <dgm:cxn modelId="{B09C84FF-E0A4-4F70-A62E-C5FFE9E459DA}" srcId="{A69CFE27-BDFC-44D6-B9FD-8B11A6A5A6B4}" destId="{1CEA0E09-4AE9-4F1C-BFC4-3B0976433A7F}" srcOrd="0" destOrd="0" parTransId="{07E6F654-1CA1-4E48-9582-0E0746DE3FCB}" sibTransId="{8278709E-16FB-4646-B5A4-D95797C6CDF4}"/>
     <dgm:cxn modelId="{007D431C-368E-43AD-AF6E-50D3DD90FC23}" type="presOf" srcId="{F7E52E4C-9A58-49DE-9FC5-5DEDEF9A3D7A}" destId="{8888BB8C-956F-44A0-ABFB-A91BDC8437B5}" srcOrd="0" destOrd="0" presId="urn:microsoft.com/office/officeart/2005/8/layout/list1"/>
-    <dgm:cxn modelId="{DA29E021-90F8-46F3-98BE-2448559ADC8F}" srcId="{FD8650A9-6242-4EDB-B4FC-41F7DD344576}" destId="{3A9EDD94-4BBC-4EF7-AE1C-F096435F8F7D}" srcOrd="2" destOrd="0" parTransId="{F30160BD-8C81-4E33-B716-B13BE77DD8C7}" sibTransId="{D1EE05D0-CF84-40F5-95B8-93664FEE1A34}"/>
-    <dgm:cxn modelId="{8F717328-E585-4CC9-974A-A8A6F7586B42}" srcId="{FD8650A9-6242-4EDB-B4FC-41F7DD344576}" destId="{F7E52E4C-9A58-49DE-9FC5-5DEDEF9A3D7A}" srcOrd="3" destOrd="0" parTransId="{94ABF712-8FD6-44B1-BB20-5372F69DFF13}" sibTransId="{E865DDA6-1CE5-4EDF-820F-B51FBEBAAE78}"/>
     <dgm:cxn modelId="{1A839235-004A-4C3F-B2D6-AF40B246B279}" type="presOf" srcId="{80EE0606-4B8E-4461-AA86-C9CD2909C149}" destId="{6D0A7BAA-48EF-40FD-BEF1-82BB22D0DB44}" srcOrd="1" destOrd="0" presId="urn:microsoft.com/office/officeart/2005/8/layout/list1"/>
-    <dgm:cxn modelId="{5FB74F3C-8673-495B-A890-58000063CC34}" type="presOf" srcId="{A69CFE27-BDFC-44D6-B9FD-8B11A6A5A6B4}" destId="{62963EAE-756C-44FE-A1DB-A0F24F252632}" srcOrd="0" destOrd="0" presId="urn:microsoft.com/office/officeart/2005/8/layout/list1"/>
-    <dgm:cxn modelId="{2C015D60-61FC-4063-A9BB-AA7A30717611}" type="presOf" srcId="{5F94A0F2-60C1-4C5C-89AC-69EAFAE81712}" destId="{72822F72-BB66-432D-B884-D81F639F4CF3}" srcOrd="0" destOrd="0" presId="urn:microsoft.com/office/officeart/2005/8/layout/list1"/>
-    <dgm:cxn modelId="{69665A51-9352-4B66-B78F-EE8F2C2B71C1}" srcId="{F7E52E4C-9A58-49DE-9FC5-5DEDEF9A3D7A}" destId="{EA2AFB5C-17FB-4243-89B7-5C770E900F5B}" srcOrd="0" destOrd="0" parTransId="{60643BA6-A60A-487C-99A3-2FD236B9916E}" sibTransId="{C5F14241-DE0C-4DC9-BAD3-4E5501053199}"/>
-    <dgm:cxn modelId="{EABB0F75-BA77-495B-8BEA-6684E8058AD7}" type="presOf" srcId="{3A9EDD94-4BBC-4EF7-AE1C-F096435F8F7D}" destId="{27C573DD-D7C7-440E-85CD-A45989F5C378}" srcOrd="1" destOrd="0" presId="urn:microsoft.com/office/officeart/2005/8/layout/list1"/>
+    <dgm:cxn modelId="{8CBA5EAA-7ED4-4C75-BDAE-C9DAED168182}" type="presOf" srcId="{FD8650A9-6242-4EDB-B4FC-41F7DD344576}" destId="{5CD03D15-C759-482D-8406-ABB581E541D7}" srcOrd="0" destOrd="0" presId="urn:microsoft.com/office/officeart/2005/8/layout/list1"/>
+    <dgm:cxn modelId="{2C2508D6-8BF7-433B-8F79-1FEA6CE32AA4}" srcId="{80EE0606-4B8E-4461-AA86-C9CD2909C149}" destId="{5F94A0F2-60C1-4C5C-89AC-69EAFAE81712}" srcOrd="0" destOrd="0" parTransId="{375053AE-9B14-4B8D-8101-0FF707D3B19A}" sibTransId="{AB3D0F3E-99AB-437B-B25B-F6AB30644F08}"/>
     <dgm:cxn modelId="{02649D7F-8BEC-450C-BE86-412F547D890F}" type="presOf" srcId="{1CEA0E09-4AE9-4F1C-BFC4-3B0976433A7F}" destId="{5A23DA84-C4FF-4673-8B65-B4D0A09D748B}" srcOrd="0" destOrd="0" presId="urn:microsoft.com/office/officeart/2005/8/layout/list1"/>
-    <dgm:cxn modelId="{8CBA5EAA-7ED4-4C75-BDAE-C9DAED168182}" type="presOf" srcId="{FD8650A9-6242-4EDB-B4FC-41F7DD344576}" destId="{5CD03D15-C759-482D-8406-ABB581E541D7}" srcOrd="0" destOrd="0" presId="urn:microsoft.com/office/officeart/2005/8/layout/list1"/>
-    <dgm:cxn modelId="{88EEC6B2-6E3F-4712-9124-9D2CB861234F}" type="presOf" srcId="{3A9EDD94-4BBC-4EF7-AE1C-F096435F8F7D}" destId="{D2104F15-E332-46FB-8FD8-A01C49648274}" srcOrd="0" destOrd="0" presId="urn:microsoft.com/office/officeart/2005/8/layout/list1"/>
-    <dgm:cxn modelId="{42018CC9-ACD9-4B00-AF15-62DC376F96C1}" type="presOf" srcId="{EA2AFB5C-17FB-4243-89B7-5C770E900F5B}" destId="{BB1F7F0C-0A25-41F0-86D8-8387D68A28F3}" srcOrd="0" destOrd="0" presId="urn:microsoft.com/office/officeart/2005/8/layout/list1"/>
-    <dgm:cxn modelId="{7F9F7FD1-CF46-4264-AE9A-F674BD237D46}" srcId="{FD8650A9-6242-4EDB-B4FC-41F7DD344576}" destId="{80EE0606-4B8E-4461-AA86-C9CD2909C149}" srcOrd="1" destOrd="0" parTransId="{FE7BF8B4-A096-4415-A546-08532A7F787F}" sibTransId="{B65CD661-D7E7-4D2A-A903-F9628BDCAA43}"/>
-    <dgm:cxn modelId="{2C2508D6-8BF7-433B-8F79-1FEA6CE32AA4}" srcId="{80EE0606-4B8E-4461-AA86-C9CD2909C149}" destId="{5F94A0F2-60C1-4C5C-89AC-69EAFAE81712}" srcOrd="0" destOrd="0" parTransId="{375053AE-9B14-4B8D-8101-0FF707D3B19A}" sibTransId="{AB3D0F3E-99AB-437B-B25B-F6AB30644F08}"/>
-    <dgm:cxn modelId="{8C0C16DB-E287-4081-9614-AE95D73C5170}" type="presOf" srcId="{F7E52E4C-9A58-49DE-9FC5-5DEDEF9A3D7A}" destId="{89555DEB-D655-4A76-B341-F21688BCEF16}" srcOrd="1" destOrd="0" presId="urn:microsoft.com/office/officeart/2005/8/layout/list1"/>
-    <dgm:cxn modelId="{BBE32FE1-719D-4556-8976-242479D3F75F}" type="presOf" srcId="{A69CFE27-BDFC-44D6-B9FD-8B11A6A5A6B4}" destId="{8B6D4660-4694-4E66-AC4D-2B434B0EF7D0}" srcOrd="1" destOrd="0" presId="urn:microsoft.com/office/officeart/2005/8/layout/list1"/>
-    <dgm:cxn modelId="{37A1B5E2-CB17-40A9-BD44-370785F1A805}" srcId="{FD8650A9-6242-4EDB-B4FC-41F7DD344576}" destId="{A69CFE27-BDFC-44D6-B9FD-8B11A6A5A6B4}" srcOrd="0" destOrd="0" parTransId="{1AB0E55F-3812-4F51-B55F-9749FC6051A2}" sibTransId="{D978958C-852D-4C92-8519-99BBD4E16EDD}"/>
-    <dgm:cxn modelId="{1685BEEF-38AF-4EB3-9108-4843EEBCB22C}" type="presOf" srcId="{80EE0606-4B8E-4461-AA86-C9CD2909C149}" destId="{A3CFB282-3E8E-48BE-ACED-09C14C37DAE9}" srcOrd="0" destOrd="0" presId="urn:microsoft.com/office/officeart/2005/8/layout/list1"/>
-    <dgm:cxn modelId="{75F39BF0-4F79-433B-993F-DC4D383D0D1D}" srcId="{3A9EDD94-4BBC-4EF7-AE1C-F096435F8F7D}" destId="{48295E81-DEB7-4D01-A521-212A0E1F9093}" srcOrd="0" destOrd="0" parTransId="{37256F96-C536-4BFE-BC53-EAEE3097B759}" sibTransId="{E3163229-ACC3-4415-9808-5D860B1F93E8}"/>
-    <dgm:cxn modelId="{B09C84FF-E0A4-4F70-A62E-C5FFE9E459DA}" srcId="{A69CFE27-BDFC-44D6-B9FD-8B11A6A5A6B4}" destId="{1CEA0E09-4AE9-4F1C-BFC4-3B0976433A7F}" srcOrd="0" destOrd="0" parTransId="{07E6F654-1CA1-4E48-9582-0E0746DE3FCB}" sibTransId="{8278709E-16FB-4646-B5A4-D95797C6CDF4}"/>
     <dgm:cxn modelId="{1E9273A1-DB49-4756-B416-A5C280AD555C}" type="presParOf" srcId="{5CD03D15-C759-482D-8406-ABB581E541D7}" destId="{290EE8F1-1466-4A2F-A7DB-B512397AEA82}" srcOrd="0" destOrd="0" presId="urn:microsoft.com/office/officeart/2005/8/layout/list1"/>
     <dgm:cxn modelId="{10DEF3B9-E635-4127-B2B4-D77CFD48EBDA}" type="presParOf" srcId="{290EE8F1-1466-4A2F-A7DB-B512397AEA82}" destId="{62963EAE-756C-44FE-A1DB-A0F24F252632}" srcOrd="0" destOrd="0" presId="urn:microsoft.com/office/officeart/2005/8/layout/list1"/>
     <dgm:cxn modelId="{BCDEEBF8-B0BD-45D6-887C-9816D37CF5CF}" type="presParOf" srcId="{290EE8F1-1466-4A2F-A7DB-B512397AEA82}" destId="{8B6D4660-4694-4E66-AC4D-2B434B0EF7D0}" srcOrd="1" destOrd="0" presId="urn:microsoft.com/office/officeart/2005/8/layout/list1"/>
@@ -5022,6 +5246,13 @@
     <dgm:pt modelId="{62963EAE-756C-44FE-A1DB-A0F24F252632}" type="pres">
       <dgm:prSet presAssocID="{A69CFE27-BDFC-44D6-B9FD-8B11A6A5A6B4}" presName="parentLeftMargin" presStyleLbl="node1" presStyleIdx="0" presStyleCnt="4"/>
       <dgm:spPr/>
+      <dgm:t>
+        <a:bodyPr/>
+        <a:lstStyle/>
+        <a:p>
+          <a:endParaRPr lang="es-ES"/>
+        </a:p>
+      </dgm:t>
     </dgm:pt>
     <dgm:pt modelId="{8B6D4660-4694-4E66-AC4D-2B434B0EF7D0}" type="pres">
       <dgm:prSet presAssocID="{A69CFE27-BDFC-44D6-B9FD-8B11A6A5A6B4}" presName="parentText" presStyleLbl="node1" presStyleIdx="0" presStyleCnt="4">
@@ -5031,6 +5262,13 @@
         </dgm:presLayoutVars>
       </dgm:prSet>
       <dgm:spPr/>
+      <dgm:t>
+        <a:bodyPr/>
+        <a:lstStyle/>
+        <a:p>
+          <a:endParaRPr lang="es-ES"/>
+        </a:p>
+      </dgm:t>
     </dgm:pt>
     <dgm:pt modelId="{4AB479A0-45D2-4D4C-BD78-0B30D778483F}" type="pres">
       <dgm:prSet presAssocID="{A69CFE27-BDFC-44D6-B9FD-8B11A6A5A6B4}" presName="negativeSpace" presStyleCnt="0"/>
@@ -5043,6 +5281,13 @@
         </dgm:presLayoutVars>
       </dgm:prSet>
       <dgm:spPr/>
+      <dgm:t>
+        <a:bodyPr/>
+        <a:lstStyle/>
+        <a:p>
+          <a:endParaRPr lang="es-ES"/>
+        </a:p>
+      </dgm:t>
     </dgm:pt>
     <dgm:pt modelId="{09B4333E-3BE4-40CF-BB1C-954A1C6AD521}" type="pres">
       <dgm:prSet presAssocID="{D978958C-852D-4C92-8519-99BBD4E16EDD}" presName="spaceBetweenRectangles" presStyleCnt="0"/>
@@ -5055,6 +5300,13 @@
     <dgm:pt modelId="{A3CFB282-3E8E-48BE-ACED-09C14C37DAE9}" type="pres">
       <dgm:prSet presAssocID="{80EE0606-4B8E-4461-AA86-C9CD2909C149}" presName="parentLeftMargin" presStyleLbl="node1" presStyleIdx="0" presStyleCnt="4"/>
       <dgm:spPr/>
+      <dgm:t>
+        <a:bodyPr/>
+        <a:lstStyle/>
+        <a:p>
+          <a:endParaRPr lang="es-ES"/>
+        </a:p>
+      </dgm:t>
     </dgm:pt>
     <dgm:pt modelId="{6D0A7BAA-48EF-40FD-BEF1-82BB22D0DB44}" type="pres">
       <dgm:prSet presAssocID="{80EE0606-4B8E-4461-AA86-C9CD2909C149}" presName="parentText" presStyleLbl="node1" presStyleIdx="1" presStyleCnt="4">
@@ -5064,6 +5316,13 @@
         </dgm:presLayoutVars>
       </dgm:prSet>
       <dgm:spPr/>
+      <dgm:t>
+        <a:bodyPr/>
+        <a:lstStyle/>
+        <a:p>
+          <a:endParaRPr lang="es-ES"/>
+        </a:p>
+      </dgm:t>
     </dgm:pt>
     <dgm:pt modelId="{B7F9614A-E1D4-4135-8953-5D5222573D42}" type="pres">
       <dgm:prSet presAssocID="{80EE0606-4B8E-4461-AA86-C9CD2909C149}" presName="negativeSpace" presStyleCnt="0"/>
@@ -5076,6 +5335,13 @@
         </dgm:presLayoutVars>
       </dgm:prSet>
       <dgm:spPr/>
+      <dgm:t>
+        <a:bodyPr/>
+        <a:lstStyle/>
+        <a:p>
+          <a:endParaRPr lang="es-ES"/>
+        </a:p>
+      </dgm:t>
     </dgm:pt>
     <dgm:pt modelId="{7054A5A4-BE55-4780-A25B-197B866494E2}" type="pres">
       <dgm:prSet presAssocID="{B65CD661-D7E7-4D2A-A903-F9628BDCAA43}" presName="spaceBetweenRectangles" presStyleCnt="0"/>
@@ -5088,6 +5354,13 @@
     <dgm:pt modelId="{D2104F15-E332-46FB-8FD8-A01C49648274}" type="pres">
       <dgm:prSet presAssocID="{3A9EDD94-4BBC-4EF7-AE1C-F096435F8F7D}" presName="parentLeftMargin" presStyleLbl="node1" presStyleIdx="1" presStyleCnt="4"/>
       <dgm:spPr/>
+      <dgm:t>
+        <a:bodyPr/>
+        <a:lstStyle/>
+        <a:p>
+          <a:endParaRPr lang="es-ES"/>
+        </a:p>
+      </dgm:t>
     </dgm:pt>
     <dgm:pt modelId="{27C573DD-D7C7-440E-85CD-A45989F5C378}" type="pres">
       <dgm:prSet presAssocID="{3A9EDD94-4BBC-4EF7-AE1C-F096435F8F7D}" presName="parentText" presStyleLbl="node1" presStyleIdx="2" presStyleCnt="4">
@@ -5097,6 +5370,13 @@
         </dgm:presLayoutVars>
       </dgm:prSet>
       <dgm:spPr/>
+      <dgm:t>
+        <a:bodyPr/>
+        <a:lstStyle/>
+        <a:p>
+          <a:endParaRPr lang="es-ES"/>
+        </a:p>
+      </dgm:t>
     </dgm:pt>
     <dgm:pt modelId="{98FD154F-1E8D-46E2-983F-85C9F07DCD2C}" type="pres">
       <dgm:prSet presAssocID="{3A9EDD94-4BBC-4EF7-AE1C-F096435F8F7D}" presName="negativeSpace" presStyleCnt="0"/>
@@ -5109,6 +5389,13 @@
         </dgm:presLayoutVars>
       </dgm:prSet>
       <dgm:spPr/>
+      <dgm:t>
+        <a:bodyPr/>
+        <a:lstStyle/>
+        <a:p>
+          <a:endParaRPr lang="es-ES"/>
+        </a:p>
+      </dgm:t>
     </dgm:pt>
     <dgm:pt modelId="{69468BDC-9B62-44C3-835B-D5C44FD83CAF}" type="pres">
       <dgm:prSet presAssocID="{D1EE05D0-CF84-40F5-95B8-93664FEE1A34}" presName="spaceBetweenRectangles" presStyleCnt="0"/>
@@ -5121,6 +5408,13 @@
     <dgm:pt modelId="{8888BB8C-956F-44A0-ABFB-A91BDC8437B5}" type="pres">
       <dgm:prSet presAssocID="{F7E52E4C-9A58-49DE-9FC5-5DEDEF9A3D7A}" presName="parentLeftMargin" presStyleLbl="node1" presStyleIdx="2" presStyleCnt="4"/>
       <dgm:spPr/>
+      <dgm:t>
+        <a:bodyPr/>
+        <a:lstStyle/>
+        <a:p>
+          <a:endParaRPr lang="es-ES"/>
+        </a:p>
+      </dgm:t>
     </dgm:pt>
     <dgm:pt modelId="{89555DEB-D655-4A76-B341-F21688BCEF16}" type="pres">
       <dgm:prSet presAssocID="{F7E52E4C-9A58-49DE-9FC5-5DEDEF9A3D7A}" presName="parentText" presStyleLbl="node1" presStyleIdx="3" presStyleCnt="4">
@@ -5130,6 +5424,13 @@
         </dgm:presLayoutVars>
       </dgm:prSet>
       <dgm:spPr/>
+      <dgm:t>
+        <a:bodyPr/>
+        <a:lstStyle/>
+        <a:p>
+          <a:endParaRPr lang="es-ES"/>
+        </a:p>
+      </dgm:t>
     </dgm:pt>
     <dgm:pt modelId="{0896ECDA-A950-422D-92AD-9890AC85B8F2}" type="pres">
       <dgm:prSet presAssocID="{F7E52E4C-9A58-49DE-9FC5-5DEDEF9A3D7A}" presName="negativeSpace" presStyleCnt="0"/>
@@ -5142,30 +5443,37 @@
         </dgm:presLayoutVars>
       </dgm:prSet>
       <dgm:spPr/>
+      <dgm:t>
+        <a:bodyPr/>
+        <a:lstStyle/>
+        <a:p>
+          <a:endParaRPr lang="es-ES"/>
+        </a:p>
+      </dgm:t>
     </dgm:pt>
   </dgm:ptLst>
   <dgm:cxnLst>
+    <dgm:cxn modelId="{75F39BF0-4F79-433B-993F-DC4D383D0D1D}" srcId="{3A9EDD94-4BBC-4EF7-AE1C-F096435F8F7D}" destId="{48295E81-DEB7-4D01-A521-212A0E1F9093}" srcOrd="0" destOrd="0" parTransId="{37256F96-C536-4BFE-BC53-EAEE3097B759}" sibTransId="{E3163229-ACC3-4415-9808-5D860B1F93E8}"/>
+    <dgm:cxn modelId="{DA29E021-90F8-46F3-98BE-2448559ADC8F}" srcId="{FD8650A9-6242-4EDB-B4FC-41F7DD344576}" destId="{3A9EDD94-4BBC-4EF7-AE1C-F096435F8F7D}" srcOrd="2" destOrd="0" parTransId="{F30160BD-8C81-4E33-B716-B13BE77DD8C7}" sibTransId="{D1EE05D0-CF84-40F5-95B8-93664FEE1A34}"/>
+    <dgm:cxn modelId="{8C0C16DB-E287-4081-9614-AE95D73C5170}" type="presOf" srcId="{F7E52E4C-9A58-49DE-9FC5-5DEDEF9A3D7A}" destId="{89555DEB-D655-4A76-B341-F21688BCEF16}" srcOrd="1" destOrd="0" presId="urn:microsoft.com/office/officeart/2005/8/layout/list1"/>
+    <dgm:cxn modelId="{42018CC9-ACD9-4B00-AF15-62DC376F96C1}" type="presOf" srcId="{EA2AFB5C-17FB-4243-89B7-5C770E900F5B}" destId="{BB1F7F0C-0A25-41F0-86D8-8387D68A28F3}" srcOrd="0" destOrd="0" presId="urn:microsoft.com/office/officeart/2005/8/layout/list1"/>
+    <dgm:cxn modelId="{EABB0F75-BA77-495B-8BEA-6684E8058AD7}" type="presOf" srcId="{3A9EDD94-4BBC-4EF7-AE1C-F096435F8F7D}" destId="{27C573DD-D7C7-440E-85CD-A45989F5C378}" srcOrd="1" destOrd="0" presId="urn:microsoft.com/office/officeart/2005/8/layout/list1"/>
+    <dgm:cxn modelId="{5FB74F3C-8673-495B-A890-58000063CC34}" type="presOf" srcId="{A69CFE27-BDFC-44D6-B9FD-8B11A6A5A6B4}" destId="{62963EAE-756C-44FE-A1DB-A0F24F252632}" srcOrd="0" destOrd="0" presId="urn:microsoft.com/office/officeart/2005/8/layout/list1"/>
+    <dgm:cxn modelId="{69665A51-9352-4B66-B78F-EE8F2C2B71C1}" srcId="{F7E52E4C-9A58-49DE-9FC5-5DEDEF9A3D7A}" destId="{EA2AFB5C-17FB-4243-89B7-5C770E900F5B}" srcOrd="0" destOrd="0" parTransId="{60643BA6-A60A-487C-99A3-2FD236B9916E}" sibTransId="{C5F14241-DE0C-4DC9-BAD3-4E5501053199}"/>
+    <dgm:cxn modelId="{8F717328-E585-4CC9-974A-A8A6F7586B42}" srcId="{FD8650A9-6242-4EDB-B4FC-41F7DD344576}" destId="{F7E52E4C-9A58-49DE-9FC5-5DEDEF9A3D7A}" srcOrd="3" destOrd="0" parTransId="{94ABF712-8FD6-44B1-BB20-5372F69DFF13}" sibTransId="{E865DDA6-1CE5-4EDF-820F-B51FBEBAAE78}"/>
+    <dgm:cxn modelId="{7F9F7FD1-CF46-4264-AE9A-F674BD237D46}" srcId="{FD8650A9-6242-4EDB-B4FC-41F7DD344576}" destId="{80EE0606-4B8E-4461-AA86-C9CD2909C149}" srcOrd="1" destOrd="0" parTransId="{FE7BF8B4-A096-4415-A546-08532A7F787F}" sibTransId="{B65CD661-D7E7-4D2A-A903-F9628BDCAA43}"/>
+    <dgm:cxn modelId="{BBE32FE1-719D-4556-8976-242479D3F75F}" type="presOf" srcId="{A69CFE27-BDFC-44D6-B9FD-8B11A6A5A6B4}" destId="{8B6D4660-4694-4E66-AC4D-2B434B0EF7D0}" srcOrd="1" destOrd="0" presId="urn:microsoft.com/office/officeart/2005/8/layout/list1"/>
+    <dgm:cxn modelId="{88EEC6B2-6E3F-4712-9124-9D2CB861234F}" type="presOf" srcId="{3A9EDD94-4BBC-4EF7-AE1C-F096435F8F7D}" destId="{D2104F15-E332-46FB-8FD8-A01C49648274}" srcOrd="0" destOrd="0" presId="urn:microsoft.com/office/officeart/2005/8/layout/list1"/>
+    <dgm:cxn modelId="{37A1B5E2-CB17-40A9-BD44-370785F1A805}" srcId="{FD8650A9-6242-4EDB-B4FC-41F7DD344576}" destId="{A69CFE27-BDFC-44D6-B9FD-8B11A6A5A6B4}" srcOrd="0" destOrd="0" parTransId="{1AB0E55F-3812-4F51-B55F-9749FC6051A2}" sibTransId="{D978958C-852D-4C92-8519-99BBD4E16EDD}"/>
+    <dgm:cxn modelId="{2C015D60-61FC-4063-A9BB-AA7A30717611}" type="presOf" srcId="{5F94A0F2-60C1-4C5C-89AC-69EAFAE81712}" destId="{72822F72-BB66-432D-B884-D81F639F4CF3}" srcOrd="0" destOrd="0" presId="urn:microsoft.com/office/officeart/2005/8/layout/list1"/>
     <dgm:cxn modelId="{3D2B7714-EBED-4018-84A8-DF586C06589A}" type="presOf" srcId="{48295E81-DEB7-4D01-A521-212A0E1F9093}" destId="{18814C74-ADBD-4355-8F07-54832F791BE0}" srcOrd="0" destOrd="0" presId="urn:microsoft.com/office/officeart/2005/8/layout/list1"/>
+    <dgm:cxn modelId="{1685BEEF-38AF-4EB3-9108-4843EEBCB22C}" type="presOf" srcId="{80EE0606-4B8E-4461-AA86-C9CD2909C149}" destId="{A3CFB282-3E8E-48BE-ACED-09C14C37DAE9}" srcOrd="0" destOrd="0" presId="urn:microsoft.com/office/officeart/2005/8/layout/list1"/>
+    <dgm:cxn modelId="{B09C84FF-E0A4-4F70-A62E-C5FFE9E459DA}" srcId="{A69CFE27-BDFC-44D6-B9FD-8B11A6A5A6B4}" destId="{1CEA0E09-4AE9-4F1C-BFC4-3B0976433A7F}" srcOrd="0" destOrd="0" parTransId="{07E6F654-1CA1-4E48-9582-0E0746DE3FCB}" sibTransId="{8278709E-16FB-4646-B5A4-D95797C6CDF4}"/>
     <dgm:cxn modelId="{007D431C-368E-43AD-AF6E-50D3DD90FC23}" type="presOf" srcId="{F7E52E4C-9A58-49DE-9FC5-5DEDEF9A3D7A}" destId="{8888BB8C-956F-44A0-ABFB-A91BDC8437B5}" srcOrd="0" destOrd="0" presId="urn:microsoft.com/office/officeart/2005/8/layout/list1"/>
-    <dgm:cxn modelId="{DA29E021-90F8-46F3-98BE-2448559ADC8F}" srcId="{FD8650A9-6242-4EDB-B4FC-41F7DD344576}" destId="{3A9EDD94-4BBC-4EF7-AE1C-F096435F8F7D}" srcOrd="2" destOrd="0" parTransId="{F30160BD-8C81-4E33-B716-B13BE77DD8C7}" sibTransId="{D1EE05D0-CF84-40F5-95B8-93664FEE1A34}"/>
-    <dgm:cxn modelId="{8F717328-E585-4CC9-974A-A8A6F7586B42}" srcId="{FD8650A9-6242-4EDB-B4FC-41F7DD344576}" destId="{F7E52E4C-9A58-49DE-9FC5-5DEDEF9A3D7A}" srcOrd="3" destOrd="0" parTransId="{94ABF712-8FD6-44B1-BB20-5372F69DFF13}" sibTransId="{E865DDA6-1CE5-4EDF-820F-B51FBEBAAE78}"/>
     <dgm:cxn modelId="{1A839235-004A-4C3F-B2D6-AF40B246B279}" type="presOf" srcId="{80EE0606-4B8E-4461-AA86-C9CD2909C149}" destId="{6D0A7BAA-48EF-40FD-BEF1-82BB22D0DB44}" srcOrd="1" destOrd="0" presId="urn:microsoft.com/office/officeart/2005/8/layout/list1"/>
-    <dgm:cxn modelId="{5FB74F3C-8673-495B-A890-58000063CC34}" type="presOf" srcId="{A69CFE27-BDFC-44D6-B9FD-8B11A6A5A6B4}" destId="{62963EAE-756C-44FE-A1DB-A0F24F252632}" srcOrd="0" destOrd="0" presId="urn:microsoft.com/office/officeart/2005/8/layout/list1"/>
-    <dgm:cxn modelId="{2C015D60-61FC-4063-A9BB-AA7A30717611}" type="presOf" srcId="{5F94A0F2-60C1-4C5C-89AC-69EAFAE81712}" destId="{72822F72-BB66-432D-B884-D81F639F4CF3}" srcOrd="0" destOrd="0" presId="urn:microsoft.com/office/officeart/2005/8/layout/list1"/>
-    <dgm:cxn modelId="{69665A51-9352-4B66-B78F-EE8F2C2B71C1}" srcId="{F7E52E4C-9A58-49DE-9FC5-5DEDEF9A3D7A}" destId="{EA2AFB5C-17FB-4243-89B7-5C770E900F5B}" srcOrd="0" destOrd="0" parTransId="{60643BA6-A60A-487C-99A3-2FD236B9916E}" sibTransId="{C5F14241-DE0C-4DC9-BAD3-4E5501053199}"/>
-    <dgm:cxn modelId="{EABB0F75-BA77-495B-8BEA-6684E8058AD7}" type="presOf" srcId="{3A9EDD94-4BBC-4EF7-AE1C-F096435F8F7D}" destId="{27C573DD-D7C7-440E-85CD-A45989F5C378}" srcOrd="1" destOrd="0" presId="urn:microsoft.com/office/officeart/2005/8/layout/list1"/>
+    <dgm:cxn modelId="{8CBA5EAA-7ED4-4C75-BDAE-C9DAED168182}" type="presOf" srcId="{FD8650A9-6242-4EDB-B4FC-41F7DD344576}" destId="{5CD03D15-C759-482D-8406-ABB581E541D7}" srcOrd="0" destOrd="0" presId="urn:microsoft.com/office/officeart/2005/8/layout/list1"/>
+    <dgm:cxn modelId="{2C2508D6-8BF7-433B-8F79-1FEA6CE32AA4}" srcId="{80EE0606-4B8E-4461-AA86-C9CD2909C149}" destId="{5F94A0F2-60C1-4C5C-89AC-69EAFAE81712}" srcOrd="0" destOrd="0" parTransId="{375053AE-9B14-4B8D-8101-0FF707D3B19A}" sibTransId="{AB3D0F3E-99AB-437B-B25B-F6AB30644F08}"/>
     <dgm:cxn modelId="{02649D7F-8BEC-450C-BE86-412F547D890F}" type="presOf" srcId="{1CEA0E09-4AE9-4F1C-BFC4-3B0976433A7F}" destId="{5A23DA84-C4FF-4673-8B65-B4D0A09D748B}" srcOrd="0" destOrd="0" presId="urn:microsoft.com/office/officeart/2005/8/layout/list1"/>
-    <dgm:cxn modelId="{8CBA5EAA-7ED4-4C75-BDAE-C9DAED168182}" type="presOf" srcId="{FD8650A9-6242-4EDB-B4FC-41F7DD344576}" destId="{5CD03D15-C759-482D-8406-ABB581E541D7}" srcOrd="0" destOrd="0" presId="urn:microsoft.com/office/officeart/2005/8/layout/list1"/>
-    <dgm:cxn modelId="{88EEC6B2-6E3F-4712-9124-9D2CB861234F}" type="presOf" srcId="{3A9EDD94-4BBC-4EF7-AE1C-F096435F8F7D}" destId="{D2104F15-E332-46FB-8FD8-A01C49648274}" srcOrd="0" destOrd="0" presId="urn:microsoft.com/office/officeart/2005/8/layout/list1"/>
-    <dgm:cxn modelId="{42018CC9-ACD9-4B00-AF15-62DC376F96C1}" type="presOf" srcId="{EA2AFB5C-17FB-4243-89B7-5C770E900F5B}" destId="{BB1F7F0C-0A25-41F0-86D8-8387D68A28F3}" srcOrd="0" destOrd="0" presId="urn:microsoft.com/office/officeart/2005/8/layout/list1"/>
-    <dgm:cxn modelId="{7F9F7FD1-CF46-4264-AE9A-F674BD237D46}" srcId="{FD8650A9-6242-4EDB-B4FC-41F7DD344576}" destId="{80EE0606-4B8E-4461-AA86-C9CD2909C149}" srcOrd="1" destOrd="0" parTransId="{FE7BF8B4-A096-4415-A546-08532A7F787F}" sibTransId="{B65CD661-D7E7-4D2A-A903-F9628BDCAA43}"/>
-    <dgm:cxn modelId="{2C2508D6-8BF7-433B-8F79-1FEA6CE32AA4}" srcId="{80EE0606-4B8E-4461-AA86-C9CD2909C149}" destId="{5F94A0F2-60C1-4C5C-89AC-69EAFAE81712}" srcOrd="0" destOrd="0" parTransId="{375053AE-9B14-4B8D-8101-0FF707D3B19A}" sibTransId="{AB3D0F3E-99AB-437B-B25B-F6AB30644F08}"/>
-    <dgm:cxn modelId="{8C0C16DB-E287-4081-9614-AE95D73C5170}" type="presOf" srcId="{F7E52E4C-9A58-49DE-9FC5-5DEDEF9A3D7A}" destId="{89555DEB-D655-4A76-B341-F21688BCEF16}" srcOrd="1" destOrd="0" presId="urn:microsoft.com/office/officeart/2005/8/layout/list1"/>
-    <dgm:cxn modelId="{BBE32FE1-719D-4556-8976-242479D3F75F}" type="presOf" srcId="{A69CFE27-BDFC-44D6-B9FD-8B11A6A5A6B4}" destId="{8B6D4660-4694-4E66-AC4D-2B434B0EF7D0}" srcOrd="1" destOrd="0" presId="urn:microsoft.com/office/officeart/2005/8/layout/list1"/>
-    <dgm:cxn modelId="{37A1B5E2-CB17-40A9-BD44-370785F1A805}" srcId="{FD8650A9-6242-4EDB-B4FC-41F7DD344576}" destId="{A69CFE27-BDFC-44D6-B9FD-8B11A6A5A6B4}" srcOrd="0" destOrd="0" parTransId="{1AB0E55F-3812-4F51-B55F-9749FC6051A2}" sibTransId="{D978958C-852D-4C92-8519-99BBD4E16EDD}"/>
-    <dgm:cxn modelId="{1685BEEF-38AF-4EB3-9108-4843EEBCB22C}" type="presOf" srcId="{80EE0606-4B8E-4461-AA86-C9CD2909C149}" destId="{A3CFB282-3E8E-48BE-ACED-09C14C37DAE9}" srcOrd="0" destOrd="0" presId="urn:microsoft.com/office/officeart/2005/8/layout/list1"/>
-    <dgm:cxn modelId="{75F39BF0-4F79-433B-993F-DC4D383D0D1D}" srcId="{3A9EDD94-4BBC-4EF7-AE1C-F096435F8F7D}" destId="{48295E81-DEB7-4D01-A521-212A0E1F9093}" srcOrd="0" destOrd="0" parTransId="{37256F96-C536-4BFE-BC53-EAEE3097B759}" sibTransId="{E3163229-ACC3-4415-9808-5D860B1F93E8}"/>
-    <dgm:cxn modelId="{B09C84FF-E0A4-4F70-A62E-C5FFE9E459DA}" srcId="{A69CFE27-BDFC-44D6-B9FD-8B11A6A5A6B4}" destId="{1CEA0E09-4AE9-4F1C-BFC4-3B0976433A7F}" srcOrd="0" destOrd="0" parTransId="{07E6F654-1CA1-4E48-9582-0E0746DE3FCB}" sibTransId="{8278709E-16FB-4646-B5A4-D95797C6CDF4}"/>
     <dgm:cxn modelId="{1E9273A1-DB49-4756-B416-A5C280AD555C}" type="presParOf" srcId="{5CD03D15-C759-482D-8406-ABB581E541D7}" destId="{290EE8F1-1466-4A2F-A7DB-B512397AEA82}" srcOrd="0" destOrd="0" presId="urn:microsoft.com/office/officeart/2005/8/layout/list1"/>
     <dgm:cxn modelId="{10DEF3B9-E635-4127-B2B4-D77CFD48EBDA}" type="presParOf" srcId="{290EE8F1-1466-4A2F-A7DB-B512397AEA82}" destId="{62963EAE-756C-44FE-A1DB-A0F24F252632}" srcOrd="0" destOrd="0" presId="urn:microsoft.com/office/officeart/2005/8/layout/list1"/>
     <dgm:cxn modelId="{BCDEEBF8-B0BD-45D6-887C-9816D37CF5CF}" type="presParOf" srcId="{290EE8F1-1466-4A2F-A7DB-B512397AEA82}" destId="{8B6D4660-4694-4E66-AC4D-2B434B0EF7D0}" srcOrd="1" destOrd="0" presId="urn:microsoft.com/office/officeart/2005/8/layout/list1"/>
@@ -5262,7 +5570,7 @@
             <a:spcAft>
               <a:spcPct val="15000"/>
             </a:spcAft>
-            <a:buChar char="•"/>
+            <a:buChar char="••"/>
           </a:pPr>
           <a:r>
             <a:rPr lang="es-MX" sz="1000" b="1" kern="1200" dirty="0"/>
@@ -5326,7 +5634,7 @@
         </a:bodyPr>
         <a:lstStyle/>
         <a:p>
-          <a:pPr marL="0" lvl="0" indent="0" algn="l" defTabSz="444500">
+          <a:pPr lvl="0" algn="l" defTabSz="444500">
             <a:lnSpc>
               <a:spcPct val="90000"/>
             </a:lnSpc>
@@ -5336,7 +5644,6 @@
             <a:spcAft>
               <a:spcPct val="35000"/>
             </a:spcAft>
-            <a:buNone/>
           </a:pPr>
           <a:r>
             <a:rPr lang="es-MX" sz="1000" b="1" kern="1200" dirty="0"/>
@@ -5404,7 +5711,7 @@
             <a:spcAft>
               <a:spcPct val="15000"/>
             </a:spcAft>
-            <a:buChar char="•"/>
+            <a:buChar char="••"/>
           </a:pPr>
           <a:r>
             <a:rPr lang="es-MX" sz="1000" b="1" kern="1200" dirty="0"/>
@@ -5468,7 +5775,7 @@
         </a:bodyPr>
         <a:lstStyle/>
         <a:p>
-          <a:pPr marL="0" lvl="0" indent="0" algn="l" defTabSz="444500">
+          <a:pPr lvl="0" algn="l" defTabSz="444500">
             <a:lnSpc>
               <a:spcPct val="90000"/>
             </a:lnSpc>
@@ -5478,7 +5785,6 @@
             <a:spcAft>
               <a:spcPct val="35000"/>
             </a:spcAft>
-            <a:buNone/>
           </a:pPr>
           <a:r>
             <a:rPr lang="es-MX" sz="1000" b="1" kern="1200" dirty="0"/>
@@ -5546,7 +5852,7 @@
             <a:spcAft>
               <a:spcPct val="15000"/>
             </a:spcAft>
-            <a:buChar char="•"/>
+            <a:buChar char="••"/>
           </a:pPr>
           <a:r>
             <a:rPr lang="es-MX" sz="1000" b="1" kern="1200" dirty="0"/>
@@ -5610,7 +5916,7 @@
         </a:bodyPr>
         <a:lstStyle/>
         <a:p>
-          <a:pPr marL="0" lvl="0" indent="0" algn="l" defTabSz="444500">
+          <a:pPr lvl="0" algn="l" defTabSz="444500">
             <a:lnSpc>
               <a:spcPct val="90000"/>
             </a:lnSpc>
@@ -5620,7 +5926,6 @@
             <a:spcAft>
               <a:spcPct val="35000"/>
             </a:spcAft>
-            <a:buNone/>
           </a:pPr>
           <a:r>
             <a:rPr lang="es-MX" sz="1000" b="1" kern="1200" dirty="0"/>
@@ -5688,7 +5993,7 @@
             <a:spcAft>
               <a:spcPct val="15000"/>
             </a:spcAft>
-            <a:buChar char="•"/>
+            <a:buChar char="••"/>
           </a:pPr>
           <a:r>
             <a:rPr lang="es-MX" sz="1000" b="1" kern="1200" dirty="0"/>
@@ -5752,7 +6057,7 @@
         </a:bodyPr>
         <a:lstStyle/>
         <a:p>
-          <a:pPr marL="0" lvl="0" indent="0" algn="l" defTabSz="444500">
+          <a:pPr lvl="0" algn="l" defTabSz="444500">
             <a:lnSpc>
               <a:spcPct val="90000"/>
             </a:lnSpc>
@@ -5762,7 +6067,6 @@
             <a:spcAft>
               <a:spcPct val="35000"/>
             </a:spcAft>
-            <a:buNone/>
           </a:pPr>
           <a:r>
             <a:rPr lang="es-MX" sz="1000" b="1" kern="1200" dirty="0"/>
@@ -5830,7 +6134,7 @@
             <a:spcAft>
               <a:spcPct val="15000"/>
             </a:spcAft>
-            <a:buChar char="•"/>
+            <a:buChar char="••"/>
           </a:pPr>
           <a:r>
             <a:rPr lang="es-MX" sz="1000" b="1" kern="1200" dirty="0"/>
@@ -5894,7 +6198,7 @@
         </a:bodyPr>
         <a:lstStyle/>
         <a:p>
-          <a:pPr marL="0" lvl="0" indent="0" algn="l" defTabSz="444500">
+          <a:pPr lvl="0" algn="l" defTabSz="444500">
             <a:lnSpc>
               <a:spcPct val="90000"/>
             </a:lnSpc>
@@ -5904,7 +6208,6 @@
             <a:spcAft>
               <a:spcPct val="35000"/>
             </a:spcAft>
-            <a:buNone/>
           </a:pPr>
           <a:r>
             <a:rPr lang="es-MX" sz="1000" b="1" kern="1200" dirty="0"/>
@@ -5994,7 +6297,7 @@
             <a:spcAft>
               <a:spcPct val="15000"/>
             </a:spcAft>
-            <a:buChar char="•"/>
+            <a:buChar char="••"/>
           </a:pPr>
           <a:r>
             <a:rPr lang="es-MX" sz="1100" b="1" kern="1200" dirty="0">
@@ -6061,7 +6364,7 @@
         </a:bodyPr>
         <a:lstStyle/>
         <a:p>
-          <a:pPr marL="0" lvl="0" indent="0" algn="ctr" defTabSz="488950">
+          <a:pPr lvl="0" algn="ctr" defTabSz="488950">
             <a:lnSpc>
               <a:spcPct val="90000"/>
             </a:lnSpc>
@@ -6071,7 +6374,6 @@
             <a:spcAft>
               <a:spcPct val="35000"/>
             </a:spcAft>
-            <a:buNone/>
           </a:pPr>
           <a:r>
             <a:rPr lang="es-MX" sz="1100" b="1" kern="1200" dirty="0">
@@ -6160,7 +6462,7 @@
             <a:spcAft>
               <a:spcPct val="15000"/>
             </a:spcAft>
-            <a:buChar char="•"/>
+            <a:buChar char="••"/>
           </a:pPr>
           <a:r>
             <a:rPr lang="es-MX" sz="1400" b="0" kern="1200" dirty="0"/>
@@ -6224,7 +6526,7 @@
         </a:bodyPr>
         <a:lstStyle/>
         <a:p>
-          <a:pPr marL="0" lvl="0" indent="0" algn="l" defTabSz="622300">
+          <a:pPr lvl="0" algn="l" defTabSz="622300">
             <a:lnSpc>
               <a:spcPct val="90000"/>
             </a:lnSpc>
@@ -6234,7 +6536,6 @@
             <a:spcAft>
               <a:spcPct val="35000"/>
             </a:spcAft>
-            <a:buNone/>
           </a:pPr>
           <a:r>
             <a:rPr lang="es-MX" sz="1400" b="1" kern="1200" dirty="0"/>
@@ -6303,7 +6604,7 @@
             <a:spcAft>
               <a:spcPct val="15000"/>
             </a:spcAft>
-            <a:buChar char="•"/>
+            <a:buChar char="••"/>
           </a:pPr>
           <a:r>
             <a:rPr lang="es-MX" sz="1400" b="0" kern="1200" dirty="0"/>
@@ -6383,7 +6684,7 @@
         </a:bodyPr>
         <a:lstStyle/>
         <a:p>
-          <a:pPr marL="0" lvl="0" indent="0" algn="l" defTabSz="622300">
+          <a:pPr lvl="0" algn="l" defTabSz="622300">
             <a:lnSpc>
               <a:spcPct val="90000"/>
             </a:lnSpc>
@@ -6393,7 +6694,6 @@
             <a:spcAft>
               <a:spcPct val="35000"/>
             </a:spcAft>
-            <a:buNone/>
           </a:pPr>
           <a:r>
             <a:rPr lang="es-MX" sz="1400" b="1" kern="1200" dirty="0"/>
@@ -6462,7 +6762,7 @@
             <a:spcAft>
               <a:spcPct val="15000"/>
             </a:spcAft>
-            <a:buChar char="•"/>
+            <a:buChar char="••"/>
           </a:pPr>
           <a:r>
             <a:rPr lang="es-MX" sz="1400" b="0" kern="1200" dirty="0"/>
@@ -6550,7 +6850,7 @@
         </a:bodyPr>
         <a:lstStyle/>
         <a:p>
-          <a:pPr marL="0" lvl="0" indent="0" algn="l" defTabSz="622300">
+          <a:pPr lvl="0" algn="l" defTabSz="622300">
             <a:lnSpc>
               <a:spcPct val="90000"/>
             </a:lnSpc>
@@ -6560,7 +6860,6 @@
             <a:spcAft>
               <a:spcPct val="35000"/>
             </a:spcAft>
-            <a:buNone/>
           </a:pPr>
           <a:r>
             <a:rPr lang="es-MX" sz="1400" b="1" kern="1200" dirty="0"/>
@@ -6629,7 +6928,7 @@
             <a:spcAft>
               <a:spcPct val="15000"/>
             </a:spcAft>
-            <a:buChar char="•"/>
+            <a:buChar char="••"/>
           </a:pPr>
           <a:r>
             <a:rPr lang="es-MX" sz="1400" b="0" kern="1200" dirty="0"/>
@@ -6693,7 +6992,7 @@
         </a:bodyPr>
         <a:lstStyle/>
         <a:p>
-          <a:pPr marL="0" lvl="0" indent="0" algn="l" defTabSz="622300">
+          <a:pPr lvl="0" algn="l" defTabSz="622300">
             <a:lnSpc>
               <a:spcPct val="90000"/>
             </a:lnSpc>
@@ -6703,7 +7002,6 @@
             <a:spcAft>
               <a:spcPct val="35000"/>
             </a:spcAft>
-            <a:buNone/>
           </a:pPr>
           <a:r>
             <a:rPr lang="es-MX" sz="1400" b="1" kern="1200" dirty="0"/>
@@ -6784,7 +7082,7 @@
             <a:spcAft>
               <a:spcPct val="15000"/>
             </a:spcAft>
-            <a:buChar char="•"/>
+            <a:buChar char="••"/>
           </a:pPr>
           <a:r>
             <a:rPr lang="es-MX" sz="1300" b="1" kern="1200" dirty="0"/>
@@ -6848,7 +7146,7 @@
         </a:bodyPr>
         <a:lstStyle/>
         <a:p>
-          <a:pPr marL="0" lvl="0" indent="0" algn="l" defTabSz="577850">
+          <a:pPr lvl="0" algn="l" defTabSz="577850">
             <a:lnSpc>
               <a:spcPct val="90000"/>
             </a:lnSpc>
@@ -6858,7 +7156,6 @@
             <a:spcAft>
               <a:spcPct val="35000"/>
             </a:spcAft>
-            <a:buNone/>
           </a:pPr>
           <a:r>
             <a:rPr lang="es-MX" sz="1300" b="1" kern="1200" dirty="0"/>
@@ -6927,7 +7224,7 @@
             <a:spcAft>
               <a:spcPct val="15000"/>
             </a:spcAft>
-            <a:buChar char="•"/>
+            <a:buChar char="••"/>
           </a:pPr>
           <a:r>
             <a:rPr lang="es-MX" sz="1300" b="1" kern="1200" dirty="0"/>
@@ -7007,7 +7304,7 @@
         </a:bodyPr>
         <a:lstStyle/>
         <a:p>
-          <a:pPr marL="0" lvl="0" indent="0" algn="l" defTabSz="577850">
+          <a:pPr lvl="0" algn="l" defTabSz="577850">
             <a:lnSpc>
               <a:spcPct val="90000"/>
             </a:lnSpc>
@@ -7017,7 +7314,6 @@
             <a:spcAft>
               <a:spcPct val="35000"/>
             </a:spcAft>
-            <a:buNone/>
           </a:pPr>
           <a:r>
             <a:rPr lang="es-MX" sz="1300" b="1" kern="1200" dirty="0"/>
@@ -7086,7 +7382,7 @@
             <a:spcAft>
               <a:spcPct val="15000"/>
             </a:spcAft>
-            <a:buChar char="•"/>
+            <a:buChar char="••"/>
           </a:pPr>
           <a:r>
             <a:rPr lang="es-MX" sz="1300" b="1" kern="1200" dirty="0"/>
@@ -7174,7 +7470,7 @@
         </a:bodyPr>
         <a:lstStyle/>
         <a:p>
-          <a:pPr marL="0" lvl="0" indent="0" algn="l" defTabSz="577850">
+          <a:pPr lvl="0" algn="l" defTabSz="577850">
             <a:lnSpc>
               <a:spcPct val="90000"/>
             </a:lnSpc>
@@ -7184,7 +7480,6 @@
             <a:spcAft>
               <a:spcPct val="35000"/>
             </a:spcAft>
-            <a:buNone/>
           </a:pPr>
           <a:r>
             <a:rPr lang="es-MX" sz="1300" b="1" kern="1200" dirty="0"/>
@@ -7253,7 +7548,7 @@
             <a:spcAft>
               <a:spcPct val="15000"/>
             </a:spcAft>
-            <a:buChar char="•"/>
+            <a:buChar char="••"/>
           </a:pPr>
           <a:r>
             <a:rPr lang="es-MX" sz="1300" b="1" kern="1200" dirty="0"/>
@@ -7317,7 +7612,7 @@
         </a:bodyPr>
         <a:lstStyle/>
         <a:p>
-          <a:pPr marL="0" lvl="0" indent="0" algn="l" defTabSz="577850">
+          <a:pPr lvl="0" algn="l" defTabSz="577850">
             <a:lnSpc>
               <a:spcPct val="90000"/>
             </a:lnSpc>
@@ -7327,7 +7622,6 @@
             <a:spcAft>
               <a:spcPct val="35000"/>
             </a:spcAft>
-            <a:buNone/>
           </a:pPr>
           <a:r>
             <a:rPr lang="es-MX" sz="1300" b="1" kern="1200" dirty="0"/>
@@ -12471,7 +12765,7 @@
           <a:p>
             <a:fld id="{A2AB488E-29BC-4747-8893-30B73E877B9E}" type="datetimeFigureOut">
               <a:rPr lang="es-VE" smtClean="0"/>
-              <a:t>29/3/2025</a:t>
+              <a:t>30/3/2025</a:t>
             </a:fld>
             <a:endParaRPr lang="es-VE"/>
           </a:p>
@@ -12870,7 +13164,7 @@
           <a:p>
             <a:fld id="{FE15F30D-68D7-48AD-92B3-3476CEA9F54A}" type="datetime1">
               <a:rPr lang="es-VE" smtClean="0"/>
-              <a:t>29/3/2025</a:t>
+              <a:t>30/3/2025</a:t>
             </a:fld>
             <a:endParaRPr lang="es-VE"/>
           </a:p>
@@ -13040,7 +13334,7 @@
           <a:p>
             <a:fld id="{F331F065-916B-4040-90EB-925332383F0B}" type="datetime1">
               <a:rPr lang="es-VE" smtClean="0"/>
-              <a:t>29/3/2025</a:t>
+              <a:t>30/3/2025</a:t>
             </a:fld>
             <a:endParaRPr lang="es-VE"/>
           </a:p>
@@ -13220,7 +13514,7 @@
           <a:p>
             <a:fld id="{5F90A281-D3F0-43C2-AD79-2021273067DA}" type="datetime1">
               <a:rPr lang="es-VE" smtClean="0"/>
-              <a:t>29/3/2025</a:t>
+              <a:t>30/3/2025</a:t>
             </a:fld>
             <a:endParaRPr lang="es-VE"/>
           </a:p>
@@ -13390,7 +13684,7 @@
           <a:p>
             <a:fld id="{8EA25893-E93B-4DF1-AD20-828DB94A79AE}" type="datetime1">
               <a:rPr lang="es-VE" smtClean="0"/>
-              <a:t>29/3/2025</a:t>
+              <a:t>30/3/2025</a:t>
             </a:fld>
             <a:endParaRPr lang="es-VE"/>
           </a:p>
@@ -13634,7 +13928,7 @@
           <a:p>
             <a:fld id="{CBDBC1DA-AEE3-4D07-B716-5C780D7336F1}" type="datetime1">
               <a:rPr lang="es-VE" smtClean="0"/>
-              <a:t>29/3/2025</a:t>
+              <a:t>30/3/2025</a:t>
             </a:fld>
             <a:endParaRPr lang="es-VE"/>
           </a:p>
@@ -13866,7 +14160,7 @@
           <a:p>
             <a:fld id="{3B20C5F0-0904-4547-82E3-841C0C355FE0}" type="datetime1">
               <a:rPr lang="es-VE" smtClean="0"/>
-              <a:t>29/3/2025</a:t>
+              <a:t>30/3/2025</a:t>
             </a:fld>
             <a:endParaRPr lang="es-VE"/>
           </a:p>
@@ -14233,7 +14527,7 @@
           <a:p>
             <a:fld id="{9778EE32-49A5-494C-9912-A0E9373753C7}" type="datetime1">
               <a:rPr lang="es-VE" smtClean="0"/>
-              <a:t>29/3/2025</a:t>
+              <a:t>30/3/2025</a:t>
             </a:fld>
             <a:endParaRPr lang="es-VE"/>
           </a:p>
@@ -14351,7 +14645,7 @@
           <a:p>
             <a:fld id="{A634960F-CA82-4847-8A0B-9E9B5CC63D8F}" type="datetime1">
               <a:rPr lang="es-VE" smtClean="0"/>
-              <a:t>29/3/2025</a:t>
+              <a:t>30/3/2025</a:t>
             </a:fld>
             <a:endParaRPr lang="es-VE"/>
           </a:p>
@@ -14446,7 +14740,7 @@
           <a:p>
             <a:fld id="{53417460-7642-42FD-A4C8-761A0D7EE8A1}" type="datetime1">
               <a:rPr lang="es-VE" smtClean="0"/>
-              <a:t>29/3/2025</a:t>
+              <a:t>30/3/2025</a:t>
             </a:fld>
             <a:endParaRPr lang="es-VE"/>
           </a:p>
@@ -14723,7 +15017,7 @@
           <a:p>
             <a:fld id="{E1F7CB11-7799-4339-969A-BB620BCD05EF}" type="datetime1">
               <a:rPr lang="es-VE" smtClean="0"/>
-              <a:t>29/3/2025</a:t>
+              <a:t>30/3/2025</a:t>
             </a:fld>
             <a:endParaRPr lang="es-VE"/>
           </a:p>
@@ -14980,7 +15274,7 @@
           <a:p>
             <a:fld id="{6FBA879E-85BF-4733-BC7B-4F42126443BA}" type="datetime1">
               <a:rPr lang="es-VE" smtClean="0"/>
-              <a:t>29/3/2025</a:t>
+              <a:t>30/3/2025</a:t>
             </a:fld>
             <a:endParaRPr lang="es-VE"/>
           </a:p>
@@ -15193,7 +15487,7 @@
           <a:p>
             <a:fld id="{881676B5-9283-4F24-9200-20F8495A0DBE}" type="datetime1">
               <a:rPr lang="es-VE" smtClean="0"/>
-              <a:t>29/3/2025</a:t>
+              <a:t>30/3/2025</a:t>
             </a:fld>
             <a:endParaRPr lang="es-VE"/>
           </a:p>
@@ -16274,10 +16568,454 @@
   <p:clrMapOvr>
     <a:masterClrMapping/>
   </p:clrMapOvr>
+  <p:timing>
+    <p:tnLst>
+      <p:par>
+        <p:cTn id="1" dur="indefinite" restart="never" nodeType="tmRoot"/>
+      </p:par>
+    </p:tnLst>
+  </p:timing>
 </p:sld>
 </file>
 
 <file path=ppt/slides/slide10.xml><?xml version="1.0" encoding="utf-8"?>
+<p:sld xmlns:a="http://schemas.openxmlformats.org/drawingml/2006/main" xmlns:r="http://schemas.openxmlformats.org/officeDocument/2006/relationships" xmlns:p="http://schemas.openxmlformats.org/presentationml/2006/main">
+  <p:cSld>
+    <p:bg>
+      <p:bgPr>
+        <a:solidFill>
+          <a:srgbClr val="A8D5BA"/>
+        </a:solidFill>
+        <a:effectLst/>
+      </p:bgPr>
+    </p:bg>
+    <p:spTree>
+      <p:nvGrpSpPr>
+        <p:cNvPr id="1" name="">
+          <a:extLst>
+            <a:ext uri="{FF2B5EF4-FFF2-40B4-BE49-F238E27FC236}">
+              <a16:creationId xmlns:a16="http://schemas.microsoft.com/office/drawing/2014/main" id="{990208D7-ADE5-1465-A1B0-B7EAE56AFABF}"/>
+            </a:ext>
+          </a:extLst>
+        </p:cNvPr>
+        <p:cNvGrpSpPr/>
+        <p:nvPr/>
+      </p:nvGrpSpPr>
+      <p:grpSpPr>
+        <a:xfrm>
+          <a:off x="0" y="0"/>
+          <a:ext cx="0" cy="0"/>
+          <a:chOff x="0" y="0"/>
+          <a:chExt cx="0" cy="0"/>
+        </a:xfrm>
+      </p:grpSpPr>
+      <p:sp>
+        <p:nvSpPr>
+          <p:cNvPr id="13" name="Marcador de número de diapositiva 12">
+            <a:extLst>
+              <a:ext uri="{FF2B5EF4-FFF2-40B4-BE49-F238E27FC236}">
+                <a16:creationId xmlns:a16="http://schemas.microsoft.com/office/drawing/2014/main" id="{80C01B53-8EEC-9D4D-4708-2A40D200EB02}"/>
+              </a:ext>
+            </a:extLst>
+          </p:cNvPr>
+          <p:cNvSpPr>
+            <a:spLocks noGrp="1"/>
+          </p:cNvSpPr>
+          <p:nvPr>
+            <p:ph type="sldNum" sz="quarter" idx="12"/>
+          </p:nvPr>
+        </p:nvSpPr>
+        <p:spPr>
+          <a:xfrm>
+            <a:off x="6788150" y="6298542"/>
+            <a:ext cx="2057400" cy="365125"/>
+          </a:xfrm>
+        </p:spPr>
+        <p:txBody>
+          <a:bodyPr/>
+          <a:lstStyle/>
+          <a:p>
+            <a:fld id="{05599B1B-B7D8-4AD3-B6E7-7FA83B7F05EF}" type="slidenum">
+              <a:rPr lang="es-VE" smtClean="0">
+                <a:solidFill>
+                  <a:schemeClr val="tx1"/>
+                </a:solidFill>
+              </a:rPr>
+              <a:t>10</a:t>
+            </a:fld>
+            <a:endParaRPr lang="es-VE" dirty="0">
+              <a:solidFill>
+                <a:schemeClr val="tx1"/>
+              </a:solidFill>
+            </a:endParaRPr>
+          </a:p>
+        </p:txBody>
+      </p:sp>
+      <p:sp>
+        <p:nvSpPr>
+          <p:cNvPr id="6" name="Flecha: pentágono 5">
+            <a:extLst>
+              <a:ext uri="{FF2B5EF4-FFF2-40B4-BE49-F238E27FC236}">
+                <a16:creationId xmlns:a16="http://schemas.microsoft.com/office/drawing/2014/main" id="{A62BC09C-4EE2-7905-A68E-B03E5534BF73}"/>
+              </a:ext>
+            </a:extLst>
+          </p:cNvPr>
+          <p:cNvSpPr/>
+          <p:nvPr/>
+        </p:nvSpPr>
+        <p:spPr>
+          <a:xfrm rot="893155">
+            <a:off x="-798245" y="421979"/>
+            <a:ext cx="9443772" cy="5114480"/>
+          </a:xfrm>
+          <a:prstGeom prst="homePlate">
+            <a:avLst/>
+          </a:prstGeom>
+          <a:solidFill>
+            <a:srgbClr val="003366"/>
+          </a:solidFill>
+        </p:spPr>
+        <p:style>
+          <a:lnRef idx="2">
+            <a:schemeClr val="accent1">
+              <a:shade val="15000"/>
+            </a:schemeClr>
+          </a:lnRef>
+          <a:fillRef idx="1">
+            <a:schemeClr val="accent1"/>
+          </a:fillRef>
+          <a:effectRef idx="0">
+            <a:schemeClr val="accent1"/>
+          </a:effectRef>
+          <a:fontRef idx="minor">
+            <a:schemeClr val="lt1"/>
+          </a:fontRef>
+        </p:style>
+        <p:txBody>
+          <a:bodyPr rtlCol="0" anchor="ctr"/>
+          <a:lstStyle/>
+          <a:p>
+            <a:pPr algn="ctr"/>
+            <a:endParaRPr lang="es-VE"/>
+          </a:p>
+        </p:txBody>
+      </p:sp>
+      <p:sp>
+        <p:nvSpPr>
+          <p:cNvPr id="8" name="CuadroTexto 7">
+            <a:extLst>
+              <a:ext uri="{FF2B5EF4-FFF2-40B4-BE49-F238E27FC236}">
+                <a16:creationId xmlns:a16="http://schemas.microsoft.com/office/drawing/2014/main" id="{86732925-1269-1880-356B-E406B5971DCE}"/>
+              </a:ext>
+            </a:extLst>
+          </p:cNvPr>
+          <p:cNvSpPr txBox="1"/>
+          <p:nvPr/>
+        </p:nvSpPr>
+        <p:spPr>
+          <a:xfrm rot="1025220">
+            <a:off x="538301" y="1548057"/>
+            <a:ext cx="6770678" cy="2862322"/>
+          </a:xfrm>
+          <a:prstGeom prst="rect">
+            <a:avLst/>
+          </a:prstGeom>
+          <a:noFill/>
+        </p:spPr>
+        <p:txBody>
+          <a:bodyPr wrap="square" rtlCol="0">
+            <a:spAutoFit/>
+          </a:bodyPr>
+          <a:lstStyle/>
+          <a:p>
+            <a:pPr algn="ctr">
+              <a:lnSpc>
+                <a:spcPct val="150000"/>
+              </a:lnSpc>
+            </a:pPr>
+            <a:r>
+              <a:rPr lang="es-MX" sz="6000" b="1" dirty="0" smtClean="0">
+                <a:solidFill>
+                  <a:schemeClr val="bg1"/>
+                </a:solidFill>
+                <a:latin typeface="Dubai" panose="020B0503030403030204" pitchFamily="34" charset="-78"/>
+                <a:cs typeface="Dubai" panose="020B0503030403030204" pitchFamily="34" charset="-78"/>
+              </a:rPr>
+              <a:t>INTRODUCCIÓN A LAS SUBREDES</a:t>
+            </a:r>
+            <a:endParaRPr lang="es-MX" sz="6000" b="1" dirty="0">
+              <a:solidFill>
+                <a:schemeClr val="bg1"/>
+              </a:solidFill>
+              <a:latin typeface="Dubai" panose="020B0503030403030204" pitchFamily="34" charset="-78"/>
+              <a:cs typeface="Dubai" panose="020B0503030403030204" pitchFamily="34" charset="-78"/>
+            </a:endParaRPr>
+          </a:p>
+        </p:txBody>
+      </p:sp>
+    </p:spTree>
+    <p:extLst>
+      <p:ext uri="{BB962C8B-B14F-4D97-AF65-F5344CB8AC3E}">
+        <p14:creationId xmlns:p14="http://schemas.microsoft.com/office/powerpoint/2010/main" val="1810197636"/>
+      </p:ext>
+    </p:extLst>
+  </p:cSld>
+  <p:clrMapOvr>
+    <a:masterClrMapping/>
+  </p:clrMapOvr>
+</p:sld>
+</file>
+
+<file path=ppt/slides/slide11.xml><?xml version="1.0" encoding="utf-8"?>
+<p:sld xmlns:a="http://schemas.openxmlformats.org/drawingml/2006/main" xmlns:r="http://schemas.openxmlformats.org/officeDocument/2006/relationships" xmlns:p="http://schemas.openxmlformats.org/presentationml/2006/main">
+  <p:cSld>
+    <p:bg>
+      <p:bgPr>
+        <a:solidFill>
+          <a:srgbClr val="A8D5BA"/>
+        </a:solidFill>
+        <a:effectLst/>
+      </p:bgPr>
+    </p:bg>
+    <p:spTree>
+      <p:nvGrpSpPr>
+        <p:cNvPr id="1" name="">
+          <a:extLst>
+            <a:ext uri="{FF2B5EF4-FFF2-40B4-BE49-F238E27FC236}">
+              <a16:creationId xmlns:a16="http://schemas.microsoft.com/office/drawing/2014/main" id="{A9626DB2-30A0-30A9-5824-3ED4819599DF}"/>
+            </a:ext>
+          </a:extLst>
+        </p:cNvPr>
+        <p:cNvGrpSpPr/>
+        <p:nvPr/>
+      </p:nvGrpSpPr>
+      <p:grpSpPr>
+        <a:xfrm>
+          <a:off x="0" y="0"/>
+          <a:ext cx="0" cy="0"/>
+          <a:chOff x="0" y="0"/>
+          <a:chExt cx="0" cy="0"/>
+        </a:xfrm>
+      </p:grpSpPr>
+      <p:sp>
+        <p:nvSpPr>
+          <p:cNvPr id="2" name="CuadroTexto 1">
+            <a:extLst>
+              <a:ext uri="{FF2B5EF4-FFF2-40B4-BE49-F238E27FC236}">
+                <a16:creationId xmlns:a16="http://schemas.microsoft.com/office/drawing/2014/main" id="{9202E17A-2774-13CC-CA53-8EDD634377E2}"/>
+              </a:ext>
+            </a:extLst>
+          </p:cNvPr>
+          <p:cNvSpPr txBox="1"/>
+          <p:nvPr/>
+        </p:nvSpPr>
+        <p:spPr>
+          <a:xfrm>
+            <a:off x="614030" y="1183161"/>
+            <a:ext cx="7915939" cy="1082027"/>
+          </a:xfrm>
+          <a:prstGeom prst="rect">
+            <a:avLst/>
+          </a:prstGeom>
+          <a:noFill/>
+        </p:spPr>
+        <p:txBody>
+          <a:bodyPr wrap="square" rtlCol="0">
+            <a:spAutoFit/>
+          </a:bodyPr>
+          <a:lstStyle/>
+          <a:p>
+            <a:pPr algn="just">
+              <a:lnSpc>
+                <a:spcPct val="150000"/>
+              </a:lnSpc>
+            </a:pPr>
+            <a:r>
+              <a:rPr lang="es-MX" sz="1500" dirty="0">
+                <a:latin typeface="Lato" panose="020F0502020204030203" pitchFamily="34" charset="0"/>
+                <a:cs typeface="Lato" panose="020F0502020204030203" pitchFamily="34" charset="0"/>
+              </a:rPr>
+              <a:t>Un protocolo de enrutamiento es un conjunto de reglas que indica cómo los enrutadores intercambian información para determinar rutas entre redes. Esto permite que los paquetes de datos encuentren su camino por internet. </a:t>
+            </a:r>
+          </a:p>
+        </p:txBody>
+      </p:sp>
+      <p:sp>
+        <p:nvSpPr>
+          <p:cNvPr id="3" name="Rectángulo 2">
+            <a:extLst>
+              <a:ext uri="{FF2B5EF4-FFF2-40B4-BE49-F238E27FC236}">
+                <a16:creationId xmlns:a16="http://schemas.microsoft.com/office/drawing/2014/main" id="{D984CFB7-21CD-BBB6-A8E6-7F5185502A86}"/>
+              </a:ext>
+            </a:extLst>
+          </p:cNvPr>
+          <p:cNvSpPr/>
+          <p:nvPr/>
+        </p:nvSpPr>
+        <p:spPr>
+          <a:xfrm>
+            <a:off x="0" y="1"/>
+            <a:ext cx="9144000" cy="988828"/>
+          </a:xfrm>
+          <a:prstGeom prst="rect">
+            <a:avLst/>
+          </a:prstGeom>
+          <a:solidFill>
+            <a:srgbClr val="003366"/>
+          </a:solidFill>
+          <a:ln>
+            <a:noFill/>
+          </a:ln>
+        </p:spPr>
+        <p:style>
+          <a:lnRef idx="2">
+            <a:schemeClr val="accent1">
+              <a:shade val="15000"/>
+            </a:schemeClr>
+          </a:lnRef>
+          <a:fillRef idx="1">
+            <a:schemeClr val="accent1"/>
+          </a:fillRef>
+          <a:effectRef idx="0">
+            <a:schemeClr val="accent1"/>
+          </a:effectRef>
+          <a:fontRef idx="minor">
+            <a:schemeClr val="lt1"/>
+          </a:fontRef>
+        </p:style>
+        <p:txBody>
+          <a:bodyPr rtlCol="0" anchor="ctr"/>
+          <a:lstStyle/>
+          <a:p>
+            <a:pPr algn="ctr"/>
+            <a:endParaRPr lang="es-VE"/>
+          </a:p>
+        </p:txBody>
+      </p:sp>
+      <p:sp>
+        <p:nvSpPr>
+          <p:cNvPr id="4" name="CuadroTexto 3">
+            <a:extLst>
+              <a:ext uri="{FF2B5EF4-FFF2-40B4-BE49-F238E27FC236}">
+                <a16:creationId xmlns:a16="http://schemas.microsoft.com/office/drawing/2014/main" id="{6BFDD1BA-C470-7C70-88D8-D7AF01EC44E6}"/>
+              </a:ext>
+            </a:extLst>
+          </p:cNvPr>
+          <p:cNvSpPr txBox="1"/>
+          <p:nvPr/>
+        </p:nvSpPr>
+        <p:spPr>
+          <a:xfrm>
+            <a:off x="0" y="194333"/>
+            <a:ext cx="9144000" cy="600164"/>
+          </a:xfrm>
+          <a:prstGeom prst="rect">
+            <a:avLst/>
+          </a:prstGeom>
+          <a:noFill/>
+        </p:spPr>
+        <p:txBody>
+          <a:bodyPr wrap="square" rtlCol="0">
+            <a:spAutoFit/>
+          </a:bodyPr>
+          <a:lstStyle/>
+          <a:p>
+            <a:pPr algn="ctr">
+              <a:lnSpc>
+                <a:spcPct val="150000"/>
+              </a:lnSpc>
+            </a:pPr>
+            <a:r>
+              <a:rPr lang="es-MX" sz="2400" b="1" dirty="0">
+                <a:solidFill>
+                  <a:schemeClr val="bg1"/>
+                </a:solidFill>
+                <a:latin typeface="Dubai" panose="020B0503030403030204" pitchFamily="34" charset="-78"/>
+                <a:cs typeface="Dubai" panose="020B0503030403030204" pitchFamily="34" charset="-78"/>
+              </a:rPr>
+              <a:t>PROTOCOLO DE ENRUTAMIENTO</a:t>
+            </a:r>
+          </a:p>
+        </p:txBody>
+      </p:sp>
+      <p:sp>
+        <p:nvSpPr>
+          <p:cNvPr id="5" name="Marcador de número de diapositiva 4">
+            <a:extLst>
+              <a:ext uri="{FF2B5EF4-FFF2-40B4-BE49-F238E27FC236}">
+                <a16:creationId xmlns:a16="http://schemas.microsoft.com/office/drawing/2014/main" id="{615C776F-2694-9623-098D-A687BB9C8549}"/>
+              </a:ext>
+            </a:extLst>
+          </p:cNvPr>
+          <p:cNvSpPr>
+            <a:spLocks noGrp="1"/>
+          </p:cNvSpPr>
+          <p:nvPr>
+            <p:ph type="sldNum" sz="quarter" idx="12"/>
+          </p:nvPr>
+        </p:nvSpPr>
+        <p:spPr>
+          <a:xfrm>
+            <a:off x="6970872" y="129290"/>
+            <a:ext cx="2057400" cy="365125"/>
+          </a:xfrm>
+        </p:spPr>
+        <p:txBody>
+          <a:bodyPr/>
+          <a:lstStyle/>
+          <a:p>
+            <a:fld id="{05599B1B-B7D8-4AD3-B6E7-7FA83B7F05EF}" type="slidenum">
+              <a:rPr lang="es-VE" smtClean="0">
+                <a:solidFill>
+                  <a:schemeClr val="bg1"/>
+                </a:solidFill>
+              </a:rPr>
+              <a:t>11</a:t>
+            </a:fld>
+            <a:endParaRPr lang="es-VE" dirty="0">
+              <a:solidFill>
+                <a:schemeClr val="bg1"/>
+              </a:solidFill>
+            </a:endParaRPr>
+          </a:p>
+        </p:txBody>
+      </p:sp>
+      <p:graphicFrame>
+        <p:nvGraphicFramePr>
+          <p:cNvPr id="6" name="Diagrama 5">
+            <a:extLst>
+              <a:ext uri="{FF2B5EF4-FFF2-40B4-BE49-F238E27FC236}">
+                <a16:creationId xmlns:a16="http://schemas.microsoft.com/office/drawing/2014/main" id="{9EB939CE-5B68-3B4C-BE56-1C11F744480C}"/>
+              </a:ext>
+            </a:extLst>
+          </p:cNvPr>
+          <p:cNvGraphicFramePr/>
+          <p:nvPr/>
+        </p:nvGraphicFramePr>
+        <p:xfrm>
+          <a:off x="325842" y="2265188"/>
+          <a:ext cx="8492314" cy="4569052"/>
+        </p:xfrm>
+        <a:graphic>
+          <a:graphicData uri="http://schemas.openxmlformats.org/drawingml/2006/diagram">
+            <dgm:relIds xmlns:dgm="http://schemas.openxmlformats.org/drawingml/2006/diagram" xmlns:r="http://schemas.openxmlformats.org/officeDocument/2006/relationships" r:dm="rId2" r:lo="rId3" r:qs="rId4" r:cs="rId5"/>
+          </a:graphicData>
+        </a:graphic>
+      </p:graphicFrame>
+    </p:spTree>
+    <p:extLst>
+      <p:ext uri="{BB962C8B-B14F-4D97-AF65-F5344CB8AC3E}">
+        <p14:creationId xmlns:p14="http://schemas.microsoft.com/office/powerpoint/2010/main" val="1631209562"/>
+      </p:ext>
+    </p:extLst>
+  </p:cSld>
+  <p:clrMapOvr>
+    <a:masterClrMapping/>
+  </p:clrMapOvr>
+</p:sld>
+</file>
+
+<file path=ppt/slides/slide12.xml><?xml version="1.0" encoding="utf-8"?>
 <p:sld xmlns:a="http://schemas.openxmlformats.org/drawingml/2006/main" xmlns:r="http://schemas.openxmlformats.org/officeDocument/2006/relationships" xmlns:p="http://schemas.openxmlformats.org/presentationml/2006/main">
   <p:cSld>
     <p:bg>
@@ -17599,7 +18337,7 @@
                   <a:schemeClr val="tx1"/>
                 </a:solidFill>
               </a:rPr>
-              <a:t>10</a:t>
+              <a:t>12</a:t>
             </a:fld>
             <a:endParaRPr lang="es-VE" dirty="0">
               <a:solidFill>
@@ -17622,7 +18360,7 @@
 </p:sld>
 </file>
 
-<file path=ppt/slides/slide11.xml><?xml version="1.0" encoding="utf-8"?>
+<file path=ppt/slides/slide13.xml><?xml version="1.0" encoding="utf-8"?>
 <p:sld xmlns:a="http://schemas.openxmlformats.org/drawingml/2006/main" xmlns:r="http://schemas.openxmlformats.org/officeDocument/2006/relationships" xmlns:p="http://schemas.openxmlformats.org/presentationml/2006/main">
   <p:cSld>
     <p:bg>
@@ -18944,7 +19682,7 @@
                   <a:schemeClr val="tx1"/>
                 </a:solidFill>
               </a:rPr>
-              <a:t>11</a:t>
+              <a:t>13</a:t>
             </a:fld>
             <a:endParaRPr lang="es-VE">
               <a:solidFill>
@@ -20267,6 +21005,13 @@
   <p:clrMapOvr>
     <a:masterClrMapping/>
   </p:clrMapOvr>
+  <p:timing>
+    <p:tnLst>
+      <p:par>
+        <p:cTn id="1" dur="indefinite" restart="never" nodeType="tmRoot"/>
+      </p:par>
+    </p:tnLst>
+  </p:timing>
 </p:sld>
 </file>
 
@@ -21612,6 +22357,13 @@
   <p:clrMapOvr>
     <a:masterClrMapping/>
   </p:clrMapOvr>
+  <p:timing>
+    <p:tnLst>
+      <p:par>
+        <p:cTn id="1" dur="indefinite" restart="never" nodeType="tmRoot"/>
+      </p:par>
+    </p:tnLst>
+  </p:timing>
 </p:sld>
 </file>
 
@@ -22011,6 +22763,13 @@
   <p:clrMapOvr>
     <a:masterClrMapping/>
   </p:clrMapOvr>
+  <p:timing>
+    <p:tnLst>
+      <p:par>
+        <p:cTn id="1" dur="indefinite" restart="never" nodeType="tmRoot"/>
+      </p:par>
+    </p:tnLst>
+  </p:timing>
 </p:sld>
 </file>
 
@@ -22294,6 +23053,13 @@
   <p:clrMapOvr>
     <a:masterClrMapping/>
   </p:clrMapOvr>
+  <p:timing>
+    <p:tnLst>
+      <p:par>
+        <p:cTn id="1" dur="indefinite" restart="never" nodeType="tmRoot"/>
+      </p:par>
+    </p:tnLst>
+  </p:timing>
 </p:sld>
 </file>
 
@@ -22432,7 +23198,7 @@
           <p:nvPr/>
         </p:nvSpPr>
         <p:spPr>
-          <a:xfrm rot="929492">
+          <a:xfrm rot="1001494">
             <a:off x="538301" y="1605765"/>
             <a:ext cx="6770678" cy="2746906"/>
           </a:xfrm>
@@ -22475,6 +23241,13 @@
   <p:clrMapOvr>
     <a:masterClrMapping/>
   </p:clrMapOvr>
+  <p:timing>
+    <p:tnLst>
+      <p:par>
+        <p:cTn id="1" dur="indefinite" restart="never" nodeType="tmRoot"/>
+      </p:par>
+    </p:tnLst>
+  </p:timing>
 </p:sld>
 </file>
 
@@ -22651,7 +23424,7 @@
         <p:cNvPr id="1" name="">
           <a:extLst>
             <a:ext uri="{FF2B5EF4-FFF2-40B4-BE49-F238E27FC236}">
-              <a16:creationId xmlns:a16="http://schemas.microsoft.com/office/drawing/2014/main" id="{990208D7-ADE5-1465-A1B0-B7EAE56AFABF}"/>
+              <a16:creationId xmlns:a16="http://schemas.microsoft.com/office/drawing/2014/main" id="{FDAE2702-B9A8-C232-6412-7B8673A05B08}"/>
             </a:ext>
           </a:extLst>
         </p:cNvPr>
@@ -22671,7 +23444,7 @@
           <p:cNvPr id="13" name="Marcador de número de diapositiva 12">
             <a:extLst>
               <a:ext uri="{FF2B5EF4-FFF2-40B4-BE49-F238E27FC236}">
-                <a16:creationId xmlns:a16="http://schemas.microsoft.com/office/drawing/2014/main" id="{80C01B53-8EEC-9D4D-4708-2A40D200EB02}"/>
+                <a16:creationId xmlns:a16="http://schemas.microsoft.com/office/drawing/2014/main" id="{E7812F74-AB2A-32C5-4E2F-D8525D3AC23D}"/>
               </a:ext>
             </a:extLst>
           </p:cNvPr>
@@ -22713,7 +23486,7 @@
           <p:cNvPr id="6" name="Flecha: pentágono 5">
             <a:extLst>
               <a:ext uri="{FF2B5EF4-FFF2-40B4-BE49-F238E27FC236}">
-                <a16:creationId xmlns:a16="http://schemas.microsoft.com/office/drawing/2014/main" id="{A62BC09C-4EE2-7905-A68E-B03E5534BF73}"/>
+                <a16:creationId xmlns:a16="http://schemas.microsoft.com/office/drawing/2014/main" id="{A96CBBEC-CD4F-8D7C-0020-8F2962B746AA}"/>
               </a:ext>
             </a:extLst>
           </p:cNvPr>
@@ -22721,11 +23494,11 @@
           <p:nvPr/>
         </p:nvSpPr>
         <p:spPr>
-          <a:xfrm rot="893155">
-            <a:off x="-798245" y="421979"/>
-            <a:ext cx="9443772" cy="5114480"/>
+          <a:xfrm>
+            <a:off x="0" y="0"/>
+            <a:ext cx="9144000" cy="3981450"/>
           </a:xfrm>
-          <a:prstGeom prst="homePlate">
+          <a:prstGeom prst="flowChartDocument">
             <a:avLst/>
           </a:prstGeom>
           <a:solidFill>
@@ -22762,7 +23535,7 @@
           <p:cNvPr id="8" name="CuadroTexto 7">
             <a:extLst>
               <a:ext uri="{FF2B5EF4-FFF2-40B4-BE49-F238E27FC236}">
-                <a16:creationId xmlns:a16="http://schemas.microsoft.com/office/drawing/2014/main" id="{86732925-1269-1880-356B-E406B5971DCE}"/>
+                <a16:creationId xmlns:a16="http://schemas.microsoft.com/office/drawing/2014/main" id="{110346D1-516F-8F2A-8149-F8F5E086726B}"/>
               </a:ext>
             </a:extLst>
           </p:cNvPr>
@@ -22770,9 +23543,9 @@
           <p:nvPr/>
         </p:nvSpPr>
         <p:spPr>
-          <a:xfrm rot="929492">
-            <a:off x="538301" y="1605765"/>
-            <a:ext cx="6770678" cy="2746906"/>
+          <a:xfrm>
+            <a:off x="1186661" y="1309769"/>
+            <a:ext cx="6770678" cy="1361911"/>
           </a:xfrm>
           <a:prstGeom prst="rect">
             <a:avLst/>
@@ -22791,14 +23564,57 @@
               </a:lnSpc>
             </a:pPr>
             <a:r>
-              <a:rPr lang="es-MX" sz="6000" b="1" dirty="0">
+              <a:rPr lang="es-MX" sz="6000" b="1" dirty="0" smtClean="0">
                 <a:solidFill>
                   <a:schemeClr val="bg1"/>
                 </a:solidFill>
                 <a:latin typeface="Dubai" panose="020B0503030403030204" pitchFamily="34" charset="-78"/>
                 <a:cs typeface="Dubai" panose="020B0503030403030204" pitchFamily="34" charset="-78"/>
               </a:rPr>
-              <a:t>PROTOCOLOS DE ENRUTAMIENTO</a:t>
+              <a:t>CLASES DE</a:t>
+            </a:r>
+            <a:endParaRPr lang="es-MX" sz="6000" b="1" dirty="0">
+              <a:solidFill>
+                <a:schemeClr val="bg1"/>
+              </a:solidFill>
+              <a:latin typeface="Dubai" panose="020B0503030403030204" pitchFamily="34" charset="-78"/>
+              <a:cs typeface="Dubai" panose="020B0503030403030204" pitchFamily="34" charset="-78"/>
+            </a:endParaRPr>
+          </a:p>
+        </p:txBody>
+      </p:sp>
+      <p:sp>
+        <p:nvSpPr>
+          <p:cNvPr id="2" name="Rectángulo 1"/>
+          <p:cNvSpPr/>
+          <p:nvPr/>
+        </p:nvSpPr>
+        <p:spPr>
+          <a:xfrm>
+            <a:off x="1708876" y="4193433"/>
+            <a:ext cx="5726248" cy="1361911"/>
+          </a:xfrm>
+          <a:prstGeom prst="rect">
+            <a:avLst/>
+          </a:prstGeom>
+        </p:spPr>
+        <p:txBody>
+          <a:bodyPr wrap="none">
+            <a:spAutoFit/>
+          </a:bodyPr>
+          <a:lstStyle/>
+          <a:p>
+            <a:pPr algn="ctr">
+              <a:lnSpc>
+                <a:spcPct val="150000"/>
+              </a:lnSpc>
+            </a:pPr>
+            <a:r>
+              <a:rPr lang="es-MX" sz="6000" b="1" dirty="0">
+                <a:latin typeface="Dubai" panose="020B0503030403030204" pitchFamily="34" charset="-78"/>
+                <a:cs typeface="Dubai" panose="020B0503030403030204" pitchFamily="34" charset="-78"/>
+              </a:rPr>
+              <a:t>DIRECCIONES IP</a:t>
             </a:r>
           </a:p>
         </p:txBody>
@@ -22806,13 +23622,20 @@
     </p:spTree>
     <p:extLst>
       <p:ext uri="{BB962C8B-B14F-4D97-AF65-F5344CB8AC3E}">
-        <p14:creationId xmlns:p14="http://schemas.microsoft.com/office/powerpoint/2010/main" val="1810197636"/>
+        <p14:creationId xmlns:p14="http://schemas.microsoft.com/office/powerpoint/2010/main" val="511386758"/>
       </p:ext>
     </p:extLst>
   </p:cSld>
   <p:clrMapOvr>
     <a:masterClrMapping/>
   </p:clrMapOvr>
+  <p:timing>
+    <p:tnLst>
+      <p:par>
+        <p:cTn id="1" dur="indefinite" restart="never" nodeType="tmRoot"/>
+      </p:par>
+    </p:tnLst>
+  </p:timing>
 </p:sld>
 </file>
 
@@ -22832,7 +23655,7 @@
         <p:cNvPr id="1" name="">
           <a:extLst>
             <a:ext uri="{FF2B5EF4-FFF2-40B4-BE49-F238E27FC236}">
-              <a16:creationId xmlns:a16="http://schemas.microsoft.com/office/drawing/2014/main" id="{A9626DB2-30A0-30A9-5824-3ED4819599DF}"/>
+              <a16:creationId xmlns:a16="http://schemas.microsoft.com/office/drawing/2014/main" id="{F5F2181A-C48A-24C9-C55E-A7A0C66D7FED}"/>
             </a:ext>
           </a:extLst>
         </p:cNvPr>
@@ -22849,151 +23672,10 @@
       </p:grpSpPr>
       <p:sp>
         <p:nvSpPr>
-          <p:cNvPr id="2" name="CuadroTexto 1">
-            <a:extLst>
-              <a:ext uri="{FF2B5EF4-FFF2-40B4-BE49-F238E27FC236}">
-                <a16:creationId xmlns:a16="http://schemas.microsoft.com/office/drawing/2014/main" id="{9202E17A-2774-13CC-CA53-8EDD634377E2}"/>
-              </a:ext>
-            </a:extLst>
-          </p:cNvPr>
-          <p:cNvSpPr txBox="1"/>
-          <p:nvPr/>
-        </p:nvSpPr>
-        <p:spPr>
-          <a:xfrm>
-            <a:off x="614030" y="1183161"/>
-            <a:ext cx="7915939" cy="1082027"/>
-          </a:xfrm>
-          <a:prstGeom prst="rect">
-            <a:avLst/>
-          </a:prstGeom>
-          <a:noFill/>
-        </p:spPr>
-        <p:txBody>
-          <a:bodyPr wrap="square" rtlCol="0">
-            <a:spAutoFit/>
-          </a:bodyPr>
-          <a:lstStyle/>
-          <a:p>
-            <a:pPr algn="just">
-              <a:lnSpc>
-                <a:spcPct val="150000"/>
-              </a:lnSpc>
-            </a:pPr>
-            <a:r>
-              <a:rPr lang="es-MX" sz="1500" dirty="0">
-                <a:latin typeface="Lato" panose="020F0502020204030203" pitchFamily="34" charset="0"/>
-                <a:cs typeface="Lato" panose="020F0502020204030203" pitchFamily="34" charset="0"/>
-              </a:rPr>
-              <a:t>Un protocolo de enrutamiento es un conjunto de reglas que indica cómo los enrutadores intercambian información para determinar rutas entre redes. Esto permite que los paquetes de datos encuentren su camino por internet. </a:t>
-            </a:r>
-          </a:p>
-        </p:txBody>
-      </p:sp>
-      <p:sp>
-        <p:nvSpPr>
-          <p:cNvPr id="3" name="Rectángulo 2">
-            <a:extLst>
-              <a:ext uri="{FF2B5EF4-FFF2-40B4-BE49-F238E27FC236}">
-                <a16:creationId xmlns:a16="http://schemas.microsoft.com/office/drawing/2014/main" id="{D984CFB7-21CD-BBB6-A8E6-7F5185502A86}"/>
-              </a:ext>
-            </a:extLst>
-          </p:cNvPr>
-          <p:cNvSpPr/>
-          <p:nvPr/>
-        </p:nvSpPr>
-        <p:spPr>
-          <a:xfrm>
-            <a:off x="0" y="1"/>
-            <a:ext cx="9144000" cy="988828"/>
-          </a:xfrm>
-          <a:prstGeom prst="rect">
-            <a:avLst/>
-          </a:prstGeom>
-          <a:solidFill>
-            <a:srgbClr val="003366"/>
-          </a:solidFill>
-          <a:ln>
-            <a:noFill/>
-          </a:ln>
-        </p:spPr>
-        <p:style>
-          <a:lnRef idx="2">
-            <a:schemeClr val="accent1">
-              <a:shade val="15000"/>
-            </a:schemeClr>
-          </a:lnRef>
-          <a:fillRef idx="1">
-            <a:schemeClr val="accent1"/>
-          </a:fillRef>
-          <a:effectRef idx="0">
-            <a:schemeClr val="accent1"/>
-          </a:effectRef>
-          <a:fontRef idx="minor">
-            <a:schemeClr val="lt1"/>
-          </a:fontRef>
-        </p:style>
-        <p:txBody>
-          <a:bodyPr rtlCol="0" anchor="ctr"/>
-          <a:lstStyle/>
-          <a:p>
-            <a:pPr algn="ctr"/>
-            <a:endParaRPr lang="es-VE"/>
-          </a:p>
-        </p:txBody>
-      </p:sp>
-      <p:sp>
-        <p:nvSpPr>
-          <p:cNvPr id="4" name="CuadroTexto 3">
-            <a:extLst>
-              <a:ext uri="{FF2B5EF4-FFF2-40B4-BE49-F238E27FC236}">
-                <a16:creationId xmlns:a16="http://schemas.microsoft.com/office/drawing/2014/main" id="{6BFDD1BA-C470-7C70-88D8-D7AF01EC44E6}"/>
-              </a:ext>
-            </a:extLst>
-          </p:cNvPr>
-          <p:cNvSpPr txBox="1"/>
-          <p:nvPr/>
-        </p:nvSpPr>
-        <p:spPr>
-          <a:xfrm>
-            <a:off x="0" y="194333"/>
-            <a:ext cx="9144000" cy="600164"/>
-          </a:xfrm>
-          <a:prstGeom prst="rect">
-            <a:avLst/>
-          </a:prstGeom>
-          <a:noFill/>
-        </p:spPr>
-        <p:txBody>
-          <a:bodyPr wrap="square" rtlCol="0">
-            <a:spAutoFit/>
-          </a:bodyPr>
-          <a:lstStyle/>
-          <a:p>
-            <a:pPr algn="ctr">
-              <a:lnSpc>
-                <a:spcPct val="150000"/>
-              </a:lnSpc>
-            </a:pPr>
-            <a:r>
-              <a:rPr lang="es-MX" sz="2400" b="1" dirty="0">
-                <a:solidFill>
-                  <a:schemeClr val="bg1"/>
-                </a:solidFill>
-                <a:latin typeface="Dubai" panose="020B0503030403030204" pitchFamily="34" charset="-78"/>
-                <a:cs typeface="Dubai" panose="020B0503030403030204" pitchFamily="34" charset="-78"/>
-              </a:rPr>
-              <a:t>PROTOCOLO DE ENRUTAMIENTO</a:t>
-            </a:r>
-          </a:p>
-        </p:txBody>
-      </p:sp>
-      <p:sp>
-        <p:nvSpPr>
           <p:cNvPr id="5" name="Marcador de número de diapositiva 4">
             <a:extLst>
               <a:ext uri="{FF2B5EF4-FFF2-40B4-BE49-F238E27FC236}">
-                <a16:creationId xmlns:a16="http://schemas.microsoft.com/office/drawing/2014/main" id="{615C776F-2694-9623-098D-A687BB9C8549}"/>
+                <a16:creationId xmlns:a16="http://schemas.microsoft.com/office/drawing/2014/main" id="{8E2FDE58-C9CC-6D2F-C508-DC2484CA0D4B}"/>
               </a:ext>
             </a:extLst>
           </p:cNvPr>
@@ -23006,7 +23688,7 @@
         </p:nvSpPr>
         <p:spPr>
           <a:xfrm>
-            <a:off x="6970872" y="129290"/>
+            <a:off x="6827209" y="6492875"/>
             <a:ext cx="2057400" cy="365125"/>
           </a:xfrm>
         </p:spPr>
@@ -23017,51 +23699,36 @@
             <a:fld id="{05599B1B-B7D8-4AD3-B6E7-7FA83B7F05EF}" type="slidenum">
               <a:rPr lang="es-VE" smtClean="0">
                 <a:solidFill>
-                  <a:schemeClr val="bg1"/>
+                  <a:schemeClr val="tx1"/>
                 </a:solidFill>
               </a:rPr>
               <a:t>9</a:t>
             </a:fld>
             <a:endParaRPr lang="es-VE" dirty="0">
               <a:solidFill>
-                <a:schemeClr val="bg1"/>
+                <a:schemeClr val="tx1"/>
               </a:solidFill>
             </a:endParaRPr>
           </a:p>
         </p:txBody>
       </p:sp>
-      <p:graphicFrame>
-        <p:nvGraphicFramePr>
-          <p:cNvPr id="6" name="Diagrama 5">
-            <a:extLst>
-              <a:ext uri="{FF2B5EF4-FFF2-40B4-BE49-F238E27FC236}">
-                <a16:creationId xmlns:a16="http://schemas.microsoft.com/office/drawing/2014/main" id="{9EB939CE-5B68-3B4C-BE56-1C11F744480C}"/>
-              </a:ext>
-            </a:extLst>
-          </p:cNvPr>
-          <p:cNvGraphicFramePr/>
-          <p:nvPr/>
-        </p:nvGraphicFramePr>
-        <p:xfrm>
-          <a:off x="325842" y="2265188"/>
-          <a:ext cx="8492314" cy="4569052"/>
-        </p:xfrm>
-        <a:graphic>
-          <a:graphicData uri="http://schemas.openxmlformats.org/drawingml/2006/diagram">
-            <dgm:relIds xmlns:dgm="http://schemas.openxmlformats.org/drawingml/2006/diagram" xmlns:r="http://schemas.openxmlformats.org/officeDocument/2006/relationships" r:dm="rId2" r:lo="rId3" r:qs="rId4" r:cs="rId5"/>
-          </a:graphicData>
-        </a:graphic>
-      </p:graphicFrame>
     </p:spTree>
     <p:extLst>
       <p:ext uri="{BB962C8B-B14F-4D97-AF65-F5344CB8AC3E}">
-        <p14:creationId xmlns:p14="http://schemas.microsoft.com/office/powerpoint/2010/main" val="1631209562"/>
+        <p14:creationId xmlns:p14="http://schemas.microsoft.com/office/powerpoint/2010/main" val="374849554"/>
       </p:ext>
     </p:extLst>
   </p:cSld>
   <p:clrMapOvr>
     <a:masterClrMapping/>
   </p:clrMapOvr>
+  <p:timing>
+    <p:tnLst>
+      <p:par>
+        <p:cTn id="1" dur="indefinite" restart="never" nodeType="tmRoot"/>
+      </p:par>
+    </p:tnLst>
+  </p:timing>
 </p:sld>
 </file>
 
